--- a/Digital libraries, repositories, and search engines.pptx
+++ b/Digital libraries, repositories, and search engines.pptx
@@ -4,13 +4,37 @@
   <p:sldMasterIdLst>
     <p:sldMasterId id="2147483960" r:id="rId1"/>
   </p:sldMasterIdLst>
+  <p:notesMasterIdLst>
+    <p:notesMasterId r:id="rId29"/>
+  </p:notesMasterIdLst>
   <p:sldIdLst>
     <p:sldId id="256" r:id="rId2"/>
     <p:sldId id="257" r:id="rId3"/>
-    <p:sldId id="258" r:id="rId4"/>
+    <p:sldId id="296" r:id="rId4"/>
     <p:sldId id="260" r:id="rId5"/>
-    <p:sldId id="261" r:id="rId6"/>
-    <p:sldId id="259" r:id="rId7"/>
+    <p:sldId id="259" r:id="rId6"/>
+    <p:sldId id="258" r:id="rId7"/>
+    <p:sldId id="262" r:id="rId8"/>
+    <p:sldId id="267" r:id="rId9"/>
+    <p:sldId id="275" r:id="rId10"/>
+    <p:sldId id="292" r:id="rId11"/>
+    <p:sldId id="293" r:id="rId12"/>
+    <p:sldId id="294" r:id="rId13"/>
+    <p:sldId id="276" r:id="rId14"/>
+    <p:sldId id="295" r:id="rId15"/>
+    <p:sldId id="272" r:id="rId16"/>
+    <p:sldId id="271" r:id="rId17"/>
+    <p:sldId id="273" r:id="rId18"/>
+    <p:sldId id="268" r:id="rId19"/>
+    <p:sldId id="279" r:id="rId20"/>
+    <p:sldId id="280" r:id="rId21"/>
+    <p:sldId id="281" r:id="rId22"/>
+    <p:sldId id="282" r:id="rId23"/>
+    <p:sldId id="283" r:id="rId24"/>
+    <p:sldId id="284" r:id="rId25"/>
+    <p:sldId id="269" r:id="rId26"/>
+    <p:sldId id="289" r:id="rId27"/>
+    <p:sldId id="290" r:id="rId28"/>
   </p:sldIdLst>
   <p:sldSz cx="9144000" cy="6858000" type="screen4x3"/>
   <p:notesSz cx="6858000" cy="9144000"/>
@@ -110,6 +134,639 @@
     </a:lvl9pPr>
   </p:defaultTextStyle>
 </p:presentation>
+</file>
+
+<file path=ppt/notesMasters/notesMaster1.xml><?xml version="1.0" encoding="utf-8"?>
+<p:notesMaster xmlns:a="http://schemas.openxmlformats.org/drawingml/2006/main" xmlns:r="http://schemas.openxmlformats.org/officeDocument/2006/relationships" xmlns:p="http://schemas.openxmlformats.org/presentationml/2006/main">
+  <p:cSld>
+    <p:bg>
+      <p:bgRef idx="1001">
+        <a:schemeClr val="bg1"/>
+      </p:bgRef>
+    </p:bg>
+    <p:spTree>
+      <p:nvGrpSpPr>
+        <p:cNvPr id="1" name=""/>
+        <p:cNvGrpSpPr/>
+        <p:nvPr/>
+      </p:nvGrpSpPr>
+      <p:grpSpPr>
+        <a:xfrm>
+          <a:off x="0" y="0"/>
+          <a:ext cx="0" cy="0"/>
+          <a:chOff x="0" y="0"/>
+          <a:chExt cx="0" cy="0"/>
+        </a:xfrm>
+      </p:grpSpPr>
+      <p:sp>
+        <p:nvSpPr>
+          <p:cNvPr id="2" name="Header Placeholder 1"/>
+          <p:cNvSpPr>
+            <a:spLocks noGrp="1"/>
+          </p:cNvSpPr>
+          <p:nvPr>
+            <p:ph type="hdr" sz="quarter"/>
+          </p:nvPr>
+        </p:nvSpPr>
+        <p:spPr>
+          <a:xfrm>
+            <a:off x="0" y="0"/>
+            <a:ext cx="2971800" cy="457200"/>
+          </a:xfrm>
+          <a:prstGeom prst="rect">
+            <a:avLst/>
+          </a:prstGeom>
+        </p:spPr>
+        <p:txBody>
+          <a:bodyPr vert="horz" lIns="91440" tIns="45720" rIns="91440" bIns="45720" rtlCol="0"/>
+          <a:lstStyle>
+            <a:lvl1pPr algn="l">
+              <a:defRPr sz="1200"/>
+            </a:lvl1pPr>
+          </a:lstStyle>
+          <a:p>
+            <a:endParaRPr lang="en-US"/>
+          </a:p>
+        </p:txBody>
+      </p:sp>
+      <p:sp>
+        <p:nvSpPr>
+          <p:cNvPr id="3" name="Date Placeholder 2"/>
+          <p:cNvSpPr>
+            <a:spLocks noGrp="1"/>
+          </p:cNvSpPr>
+          <p:nvPr>
+            <p:ph type="dt" idx="1"/>
+          </p:nvPr>
+        </p:nvSpPr>
+        <p:spPr>
+          <a:xfrm>
+            <a:off x="3884613" y="0"/>
+            <a:ext cx="2971800" cy="457200"/>
+          </a:xfrm>
+          <a:prstGeom prst="rect">
+            <a:avLst/>
+          </a:prstGeom>
+        </p:spPr>
+        <p:txBody>
+          <a:bodyPr vert="horz" lIns="91440" tIns="45720" rIns="91440" bIns="45720" rtlCol="0"/>
+          <a:lstStyle>
+            <a:lvl1pPr algn="r">
+              <a:defRPr sz="1200"/>
+            </a:lvl1pPr>
+          </a:lstStyle>
+          <a:p>
+            <a:fld id="{7C11466B-4346-4CB2-8C8B-17FC5D8C531B}" type="datetimeFigureOut">
+              <a:rPr lang="en-US" smtClean="0"/>
+              <a:t>10/1/2018</a:t>
+            </a:fld>
+            <a:endParaRPr lang="en-US"/>
+          </a:p>
+        </p:txBody>
+      </p:sp>
+      <p:sp>
+        <p:nvSpPr>
+          <p:cNvPr id="4" name="Slide Image Placeholder 3"/>
+          <p:cNvSpPr>
+            <a:spLocks noGrp="1" noRot="1" noChangeAspect="1"/>
+          </p:cNvSpPr>
+          <p:nvPr>
+            <p:ph type="sldImg" idx="2"/>
+          </p:nvPr>
+        </p:nvSpPr>
+        <p:spPr>
+          <a:xfrm>
+            <a:off x="1143000" y="685800"/>
+            <a:ext cx="4572000" cy="3429000"/>
+          </a:xfrm>
+          <a:prstGeom prst="rect">
+            <a:avLst/>
+          </a:prstGeom>
+          <a:noFill/>
+          <a:ln w="12700">
+            <a:solidFill>
+              <a:prstClr val="black"/>
+            </a:solidFill>
+          </a:ln>
+        </p:spPr>
+        <p:txBody>
+          <a:bodyPr vert="horz" lIns="91440" tIns="45720" rIns="91440" bIns="45720" rtlCol="0" anchor="ctr"/>
+          <a:lstStyle/>
+          <a:p>
+            <a:endParaRPr lang="en-US"/>
+          </a:p>
+        </p:txBody>
+      </p:sp>
+      <p:sp>
+        <p:nvSpPr>
+          <p:cNvPr id="5" name="Notes Placeholder 4"/>
+          <p:cNvSpPr>
+            <a:spLocks noGrp="1"/>
+          </p:cNvSpPr>
+          <p:nvPr>
+            <p:ph type="body" sz="quarter" idx="3"/>
+          </p:nvPr>
+        </p:nvSpPr>
+        <p:spPr>
+          <a:xfrm>
+            <a:off x="685800" y="4343400"/>
+            <a:ext cx="5486400" cy="4114800"/>
+          </a:xfrm>
+          <a:prstGeom prst="rect">
+            <a:avLst/>
+          </a:prstGeom>
+        </p:spPr>
+        <p:txBody>
+          <a:bodyPr vert="horz" lIns="91440" tIns="45720" rIns="91440" bIns="45720" rtlCol="0"/>
+          <a:lstStyle/>
+          <a:p>
+            <a:pPr lvl="0"/>
+            <a:r>
+              <a:rPr lang="en-US" smtClean="0"/>
+              <a:t>Click to edit Master text styles</a:t>
+            </a:r>
+          </a:p>
+          <a:p>
+            <a:pPr lvl="1"/>
+            <a:r>
+              <a:rPr lang="en-US" smtClean="0"/>
+              <a:t>Second level</a:t>
+            </a:r>
+          </a:p>
+          <a:p>
+            <a:pPr lvl="2"/>
+            <a:r>
+              <a:rPr lang="en-US" smtClean="0"/>
+              <a:t>Third level</a:t>
+            </a:r>
+          </a:p>
+          <a:p>
+            <a:pPr lvl="3"/>
+            <a:r>
+              <a:rPr lang="en-US" smtClean="0"/>
+              <a:t>Fourth level</a:t>
+            </a:r>
+          </a:p>
+          <a:p>
+            <a:pPr lvl="4"/>
+            <a:r>
+              <a:rPr lang="en-US" smtClean="0"/>
+              <a:t>Fifth level</a:t>
+            </a:r>
+            <a:endParaRPr lang="en-US"/>
+          </a:p>
+        </p:txBody>
+      </p:sp>
+      <p:sp>
+        <p:nvSpPr>
+          <p:cNvPr id="6" name="Footer Placeholder 5"/>
+          <p:cNvSpPr>
+            <a:spLocks noGrp="1"/>
+          </p:cNvSpPr>
+          <p:nvPr>
+            <p:ph type="ftr" sz="quarter" idx="4"/>
+          </p:nvPr>
+        </p:nvSpPr>
+        <p:spPr>
+          <a:xfrm>
+            <a:off x="0" y="8685213"/>
+            <a:ext cx="2971800" cy="457200"/>
+          </a:xfrm>
+          <a:prstGeom prst="rect">
+            <a:avLst/>
+          </a:prstGeom>
+        </p:spPr>
+        <p:txBody>
+          <a:bodyPr vert="horz" lIns="91440" tIns="45720" rIns="91440" bIns="45720" rtlCol="0" anchor="b"/>
+          <a:lstStyle>
+            <a:lvl1pPr algn="l">
+              <a:defRPr sz="1200"/>
+            </a:lvl1pPr>
+          </a:lstStyle>
+          <a:p>
+            <a:endParaRPr lang="en-US"/>
+          </a:p>
+        </p:txBody>
+      </p:sp>
+      <p:sp>
+        <p:nvSpPr>
+          <p:cNvPr id="7" name="Slide Number Placeholder 6"/>
+          <p:cNvSpPr>
+            <a:spLocks noGrp="1"/>
+          </p:cNvSpPr>
+          <p:nvPr>
+            <p:ph type="sldNum" sz="quarter" idx="5"/>
+          </p:nvPr>
+        </p:nvSpPr>
+        <p:spPr>
+          <a:xfrm>
+            <a:off x="3884613" y="8685213"/>
+            <a:ext cx="2971800" cy="457200"/>
+          </a:xfrm>
+          <a:prstGeom prst="rect">
+            <a:avLst/>
+          </a:prstGeom>
+        </p:spPr>
+        <p:txBody>
+          <a:bodyPr vert="horz" lIns="91440" tIns="45720" rIns="91440" bIns="45720" rtlCol="0" anchor="b"/>
+          <a:lstStyle>
+            <a:lvl1pPr algn="r">
+              <a:defRPr sz="1200"/>
+            </a:lvl1pPr>
+          </a:lstStyle>
+          <a:p>
+            <a:fld id="{60F355CF-392B-4AF9-B892-D21A7EBD459F}" type="slidenum">
+              <a:rPr lang="en-US" smtClean="0"/>
+              <a:t>‹#›</a:t>
+            </a:fld>
+            <a:endParaRPr lang="en-US"/>
+          </a:p>
+        </p:txBody>
+      </p:sp>
+    </p:spTree>
+    <p:extLst>
+      <p:ext uri="{BB962C8B-B14F-4D97-AF65-F5344CB8AC3E}">
+        <p14:creationId xmlns:p14="http://schemas.microsoft.com/office/powerpoint/2010/main" val="1881593045"/>
+      </p:ext>
+    </p:extLst>
+  </p:cSld>
+  <p:clrMap bg1="lt1" tx1="dk1" bg2="lt2" tx2="dk2" accent1="accent1" accent2="accent2" accent3="accent3" accent4="accent4" accent5="accent5" accent6="accent6" hlink="hlink" folHlink="folHlink"/>
+  <p:notesStyle>
+    <a:lvl1pPr marL="0" algn="l" defTabSz="914400" rtl="0" eaLnBrk="1" latinLnBrk="0" hangingPunct="1">
+      <a:defRPr sz="1200" kern="1200">
+        <a:solidFill>
+          <a:schemeClr val="tx1"/>
+        </a:solidFill>
+        <a:latin typeface="+mn-lt"/>
+        <a:ea typeface="+mn-ea"/>
+        <a:cs typeface="+mn-cs"/>
+      </a:defRPr>
+    </a:lvl1pPr>
+    <a:lvl2pPr marL="457200" algn="l" defTabSz="914400" rtl="0" eaLnBrk="1" latinLnBrk="0" hangingPunct="1">
+      <a:defRPr sz="1200" kern="1200">
+        <a:solidFill>
+          <a:schemeClr val="tx1"/>
+        </a:solidFill>
+        <a:latin typeface="+mn-lt"/>
+        <a:ea typeface="+mn-ea"/>
+        <a:cs typeface="+mn-cs"/>
+      </a:defRPr>
+    </a:lvl2pPr>
+    <a:lvl3pPr marL="914400" algn="l" defTabSz="914400" rtl="0" eaLnBrk="1" latinLnBrk="0" hangingPunct="1">
+      <a:defRPr sz="1200" kern="1200">
+        <a:solidFill>
+          <a:schemeClr val="tx1"/>
+        </a:solidFill>
+        <a:latin typeface="+mn-lt"/>
+        <a:ea typeface="+mn-ea"/>
+        <a:cs typeface="+mn-cs"/>
+      </a:defRPr>
+    </a:lvl3pPr>
+    <a:lvl4pPr marL="1371600" algn="l" defTabSz="914400" rtl="0" eaLnBrk="1" latinLnBrk="0" hangingPunct="1">
+      <a:defRPr sz="1200" kern="1200">
+        <a:solidFill>
+          <a:schemeClr val="tx1"/>
+        </a:solidFill>
+        <a:latin typeface="+mn-lt"/>
+        <a:ea typeface="+mn-ea"/>
+        <a:cs typeface="+mn-cs"/>
+      </a:defRPr>
+    </a:lvl4pPr>
+    <a:lvl5pPr marL="1828800" algn="l" defTabSz="914400" rtl="0" eaLnBrk="1" latinLnBrk="0" hangingPunct="1">
+      <a:defRPr sz="1200" kern="1200">
+        <a:solidFill>
+          <a:schemeClr val="tx1"/>
+        </a:solidFill>
+        <a:latin typeface="+mn-lt"/>
+        <a:ea typeface="+mn-ea"/>
+        <a:cs typeface="+mn-cs"/>
+      </a:defRPr>
+    </a:lvl5pPr>
+    <a:lvl6pPr marL="2286000" algn="l" defTabSz="914400" rtl="0" eaLnBrk="1" latinLnBrk="0" hangingPunct="1">
+      <a:defRPr sz="1200" kern="1200">
+        <a:solidFill>
+          <a:schemeClr val="tx1"/>
+        </a:solidFill>
+        <a:latin typeface="+mn-lt"/>
+        <a:ea typeface="+mn-ea"/>
+        <a:cs typeface="+mn-cs"/>
+      </a:defRPr>
+    </a:lvl6pPr>
+    <a:lvl7pPr marL="2743200" algn="l" defTabSz="914400" rtl="0" eaLnBrk="1" latinLnBrk="0" hangingPunct="1">
+      <a:defRPr sz="1200" kern="1200">
+        <a:solidFill>
+          <a:schemeClr val="tx1"/>
+        </a:solidFill>
+        <a:latin typeface="+mn-lt"/>
+        <a:ea typeface="+mn-ea"/>
+        <a:cs typeface="+mn-cs"/>
+      </a:defRPr>
+    </a:lvl7pPr>
+    <a:lvl8pPr marL="3200400" algn="l" defTabSz="914400" rtl="0" eaLnBrk="1" latinLnBrk="0" hangingPunct="1">
+      <a:defRPr sz="1200" kern="1200">
+        <a:solidFill>
+          <a:schemeClr val="tx1"/>
+        </a:solidFill>
+        <a:latin typeface="+mn-lt"/>
+        <a:ea typeface="+mn-ea"/>
+        <a:cs typeface="+mn-cs"/>
+      </a:defRPr>
+    </a:lvl8pPr>
+    <a:lvl9pPr marL="3657600" algn="l" defTabSz="914400" rtl="0" eaLnBrk="1" latinLnBrk="0" hangingPunct="1">
+      <a:defRPr sz="1200" kern="1200">
+        <a:solidFill>
+          <a:schemeClr val="tx1"/>
+        </a:solidFill>
+        <a:latin typeface="+mn-lt"/>
+        <a:ea typeface="+mn-ea"/>
+        <a:cs typeface="+mn-cs"/>
+      </a:defRPr>
+    </a:lvl9pPr>
+  </p:notesStyle>
+</p:notesMaster>
+</file>
+
+<file path=ppt/notesSlides/notesSlide1.xml><?xml version="1.0" encoding="utf-8"?>
+<p:notes xmlns:a="http://schemas.openxmlformats.org/drawingml/2006/main" xmlns:r="http://schemas.openxmlformats.org/officeDocument/2006/relationships" xmlns:p="http://schemas.openxmlformats.org/presentationml/2006/main">
+  <p:cSld>
+    <p:spTree>
+      <p:nvGrpSpPr>
+        <p:cNvPr id="1" name=""/>
+        <p:cNvGrpSpPr/>
+        <p:nvPr/>
+      </p:nvGrpSpPr>
+      <p:grpSpPr>
+        <a:xfrm>
+          <a:off x="0" y="0"/>
+          <a:ext cx="0" cy="0"/>
+          <a:chOff x="0" y="0"/>
+          <a:chExt cx="0" cy="0"/>
+        </a:xfrm>
+      </p:grpSpPr>
+      <p:sp>
+        <p:nvSpPr>
+          <p:cNvPr id="2" name="Slide Image Placeholder 1"/>
+          <p:cNvSpPr>
+            <a:spLocks noGrp="1" noRot="1" noChangeAspect="1"/>
+          </p:cNvSpPr>
+          <p:nvPr>
+            <p:ph type="sldImg"/>
+          </p:nvPr>
+        </p:nvSpPr>
+        <p:spPr/>
+      </p:sp>
+      <p:sp>
+        <p:nvSpPr>
+          <p:cNvPr id="3" name="Notes Placeholder 2"/>
+          <p:cNvSpPr>
+            <a:spLocks noGrp="1"/>
+          </p:cNvSpPr>
+          <p:nvPr>
+            <p:ph type="body" idx="1"/>
+          </p:nvPr>
+        </p:nvSpPr>
+        <p:spPr/>
+        <p:txBody>
+          <a:bodyPr/>
+          <a:lstStyle/>
+          <a:p>
+            <a:pPr marL="0" marR="0" indent="0" algn="l" defTabSz="914400" rtl="0" eaLnBrk="1" fontAlgn="auto" latinLnBrk="0" hangingPunct="1">
+              <a:lnSpc>
+                <a:spcPct val="100000"/>
+              </a:lnSpc>
+              <a:spcBef>
+                <a:spcPts val="0"/>
+              </a:spcBef>
+              <a:spcAft>
+                <a:spcPts val="0"/>
+              </a:spcAft>
+              <a:buClrTx/>
+              <a:buSzTx/>
+              <a:buFontTx/>
+              <a:buNone/>
+              <a:tabLst/>
+              <a:defRPr/>
+            </a:pPr>
+            <a:r>
+              <a:rPr lang="en-US" dirty="0" smtClean="0"/>
+              <a:t>Associated</a:t>
+            </a:r>
+            <a:r>
+              <a:rPr lang="en-US" baseline="0" dirty="0" smtClean="0"/>
+              <a:t> Services: </a:t>
+            </a:r>
+            <a:r>
+              <a:rPr lang="en-US" sz="1200" dirty="0" smtClean="0"/>
+              <a:t>searching, and retrieving</a:t>
+            </a:r>
+          </a:p>
+          <a:p>
+            <a:endParaRPr lang="en-US" dirty="0"/>
+          </a:p>
+        </p:txBody>
+      </p:sp>
+      <p:sp>
+        <p:nvSpPr>
+          <p:cNvPr id="4" name="Slide Number Placeholder 3"/>
+          <p:cNvSpPr>
+            <a:spLocks noGrp="1"/>
+          </p:cNvSpPr>
+          <p:nvPr>
+            <p:ph type="sldNum" sz="quarter" idx="10"/>
+          </p:nvPr>
+        </p:nvSpPr>
+        <p:spPr/>
+        <p:txBody>
+          <a:bodyPr/>
+          <a:lstStyle/>
+          <a:p>
+            <a:fld id="{60F355CF-392B-4AF9-B892-D21A7EBD459F}" type="slidenum">
+              <a:rPr lang="en-US" smtClean="0"/>
+              <a:t>2</a:t>
+            </a:fld>
+            <a:endParaRPr lang="en-US"/>
+          </a:p>
+        </p:txBody>
+      </p:sp>
+    </p:spTree>
+    <p:extLst>
+      <p:ext uri="{BB962C8B-B14F-4D97-AF65-F5344CB8AC3E}">
+        <p14:creationId xmlns:p14="http://schemas.microsoft.com/office/powerpoint/2010/main" val="1984302721"/>
+      </p:ext>
+    </p:extLst>
+  </p:cSld>
+  <p:clrMapOvr>
+    <a:masterClrMapping/>
+  </p:clrMapOvr>
+</p:notes>
+</file>
+
+<file path=ppt/notesSlides/notesSlide2.xml><?xml version="1.0" encoding="utf-8"?>
+<p:notes xmlns:a="http://schemas.openxmlformats.org/drawingml/2006/main" xmlns:r="http://schemas.openxmlformats.org/officeDocument/2006/relationships" xmlns:p="http://schemas.openxmlformats.org/presentationml/2006/main">
+  <p:cSld>
+    <p:spTree>
+      <p:nvGrpSpPr>
+        <p:cNvPr id="1" name=""/>
+        <p:cNvGrpSpPr/>
+        <p:nvPr/>
+      </p:nvGrpSpPr>
+      <p:grpSpPr>
+        <a:xfrm>
+          <a:off x="0" y="0"/>
+          <a:ext cx="0" cy="0"/>
+          <a:chOff x="0" y="0"/>
+          <a:chExt cx="0" cy="0"/>
+        </a:xfrm>
+      </p:grpSpPr>
+      <p:sp>
+        <p:nvSpPr>
+          <p:cNvPr id="2" name="Slide Image Placeholder 1"/>
+          <p:cNvSpPr>
+            <a:spLocks noGrp="1" noRot="1" noChangeAspect="1"/>
+          </p:cNvSpPr>
+          <p:nvPr>
+            <p:ph type="sldImg"/>
+          </p:nvPr>
+        </p:nvSpPr>
+        <p:spPr/>
+      </p:sp>
+      <p:sp>
+        <p:nvSpPr>
+          <p:cNvPr id="3" name="Notes Placeholder 2"/>
+          <p:cNvSpPr>
+            <a:spLocks noGrp="1"/>
+          </p:cNvSpPr>
+          <p:nvPr>
+            <p:ph type="body" idx="1"/>
+          </p:nvPr>
+        </p:nvSpPr>
+        <p:spPr/>
+        <p:txBody>
+          <a:bodyPr/>
+          <a:lstStyle/>
+          <a:p>
+            <a:endParaRPr lang="en-US" dirty="0"/>
+          </a:p>
+        </p:txBody>
+      </p:sp>
+      <p:sp>
+        <p:nvSpPr>
+          <p:cNvPr id="4" name="Slide Number Placeholder 3"/>
+          <p:cNvSpPr>
+            <a:spLocks noGrp="1"/>
+          </p:cNvSpPr>
+          <p:nvPr>
+            <p:ph type="sldNum" sz="quarter" idx="10"/>
+          </p:nvPr>
+        </p:nvSpPr>
+        <p:spPr/>
+        <p:txBody>
+          <a:bodyPr/>
+          <a:lstStyle/>
+          <a:p>
+            <a:fld id="{60F355CF-392B-4AF9-B892-D21A7EBD459F}" type="slidenum">
+              <a:rPr lang="en-US" smtClean="0"/>
+              <a:t>8</a:t>
+            </a:fld>
+            <a:endParaRPr lang="en-US"/>
+          </a:p>
+        </p:txBody>
+      </p:sp>
+    </p:spTree>
+    <p:extLst>
+      <p:ext uri="{BB962C8B-B14F-4D97-AF65-F5344CB8AC3E}">
+        <p14:creationId xmlns:p14="http://schemas.microsoft.com/office/powerpoint/2010/main" val="2043755192"/>
+      </p:ext>
+    </p:extLst>
+  </p:cSld>
+  <p:clrMapOvr>
+    <a:masterClrMapping/>
+  </p:clrMapOvr>
+</p:notes>
+</file>
+
+<file path=ppt/notesSlides/notesSlide3.xml><?xml version="1.0" encoding="utf-8"?>
+<p:notes xmlns:a="http://schemas.openxmlformats.org/drawingml/2006/main" xmlns:r="http://schemas.openxmlformats.org/officeDocument/2006/relationships" xmlns:p="http://schemas.openxmlformats.org/presentationml/2006/main">
+  <p:cSld>
+    <p:spTree>
+      <p:nvGrpSpPr>
+        <p:cNvPr id="1" name=""/>
+        <p:cNvGrpSpPr/>
+        <p:nvPr/>
+      </p:nvGrpSpPr>
+      <p:grpSpPr>
+        <a:xfrm>
+          <a:off x="0" y="0"/>
+          <a:ext cx="0" cy="0"/>
+          <a:chOff x="0" y="0"/>
+          <a:chExt cx="0" cy="0"/>
+        </a:xfrm>
+      </p:grpSpPr>
+      <p:sp>
+        <p:nvSpPr>
+          <p:cNvPr id="2" name="Slide Image Placeholder 1"/>
+          <p:cNvSpPr>
+            <a:spLocks noGrp="1" noRot="1" noChangeAspect="1"/>
+          </p:cNvSpPr>
+          <p:nvPr>
+            <p:ph type="sldImg"/>
+          </p:nvPr>
+        </p:nvSpPr>
+        <p:spPr/>
+      </p:sp>
+      <p:sp>
+        <p:nvSpPr>
+          <p:cNvPr id="3" name="Notes Placeholder 2"/>
+          <p:cNvSpPr>
+            <a:spLocks noGrp="1"/>
+          </p:cNvSpPr>
+          <p:nvPr>
+            <p:ph type="body" idx="1"/>
+          </p:nvPr>
+        </p:nvSpPr>
+        <p:spPr/>
+        <p:txBody>
+          <a:bodyPr/>
+          <a:lstStyle/>
+          <a:p>
+            <a:endParaRPr lang="en-US" dirty="0"/>
+          </a:p>
+        </p:txBody>
+      </p:sp>
+      <p:sp>
+        <p:nvSpPr>
+          <p:cNvPr id="4" name="Slide Number Placeholder 3"/>
+          <p:cNvSpPr>
+            <a:spLocks noGrp="1"/>
+          </p:cNvSpPr>
+          <p:nvPr>
+            <p:ph type="sldNum" sz="quarter" idx="10"/>
+          </p:nvPr>
+        </p:nvSpPr>
+        <p:spPr/>
+        <p:txBody>
+          <a:bodyPr/>
+          <a:lstStyle/>
+          <a:p>
+            <a:fld id="{60F355CF-392B-4AF9-B892-D21A7EBD459F}" type="slidenum">
+              <a:rPr lang="en-US" smtClean="0"/>
+              <a:t>26</a:t>
+            </a:fld>
+            <a:endParaRPr lang="en-US"/>
+          </a:p>
+        </p:txBody>
+      </p:sp>
+    </p:spTree>
+    <p:extLst>
+      <p:ext uri="{BB962C8B-B14F-4D97-AF65-F5344CB8AC3E}">
+        <p14:creationId xmlns:p14="http://schemas.microsoft.com/office/powerpoint/2010/main" val="776666127"/>
+      </p:ext>
+    </p:extLst>
+  </p:cSld>
+  <p:clrMapOvr>
+    <a:masterClrMapping/>
+  </p:clrMapOvr>
+</p:notes>
 </file>
 
 <file path=ppt/slideLayouts/slideLayout1.xml><?xml version="1.0" encoding="utf-8"?>
@@ -3479,6 +4136,1420 @@
   <p:clrMapOvr>
     <a:masterClrMapping/>
   </p:clrMapOvr>
+  <p:timing>
+    <p:tnLst>
+      <p:par>
+        <p:cTn id="1" dur="indefinite" restart="never" nodeType="tmRoot"/>
+      </p:par>
+    </p:tnLst>
+  </p:timing>
+</p:sld>
+</file>
+
+<file path=ppt/slides/slide10.xml><?xml version="1.0" encoding="utf-8"?>
+<p:sld xmlns:a="http://schemas.openxmlformats.org/drawingml/2006/main" xmlns:r="http://schemas.openxmlformats.org/officeDocument/2006/relationships" xmlns:p="http://schemas.openxmlformats.org/presentationml/2006/main">
+  <p:cSld>
+    <p:spTree>
+      <p:nvGrpSpPr>
+        <p:cNvPr id="1" name=""/>
+        <p:cNvGrpSpPr/>
+        <p:nvPr/>
+      </p:nvGrpSpPr>
+      <p:grpSpPr>
+        <a:xfrm>
+          <a:off x="0" y="0"/>
+          <a:ext cx="0" cy="0"/>
+          <a:chOff x="0" y="0"/>
+          <a:chExt cx="0" cy="0"/>
+        </a:xfrm>
+      </p:grpSpPr>
+      <p:sp>
+        <p:nvSpPr>
+          <p:cNvPr id="2" name="Title 1"/>
+          <p:cNvSpPr>
+            <a:spLocks noGrp="1"/>
+          </p:cNvSpPr>
+          <p:nvPr>
+            <p:ph type="title"/>
+          </p:nvPr>
+        </p:nvSpPr>
+        <p:spPr/>
+        <p:txBody>
+          <a:bodyPr/>
+          <a:lstStyle/>
+          <a:p>
+            <a:r>
+              <a:rPr lang="en-US" dirty="0" smtClean="0"/>
+              <a:t>Data Discovery</a:t>
+            </a:r>
+            <a:endParaRPr lang="en-US" dirty="0"/>
+          </a:p>
+        </p:txBody>
+      </p:sp>
+      <p:sp>
+        <p:nvSpPr>
+          <p:cNvPr id="3" name="Content Placeholder 2"/>
+          <p:cNvSpPr>
+            <a:spLocks noGrp="1"/>
+          </p:cNvSpPr>
+          <p:nvPr>
+            <p:ph idx="1"/>
+          </p:nvPr>
+        </p:nvSpPr>
+        <p:spPr/>
+        <p:txBody>
+          <a:bodyPr/>
+          <a:lstStyle/>
+          <a:p>
+            <a:r>
+              <a:rPr lang="en-US" dirty="0" smtClean="0"/>
+              <a:t>Scholarly Documents -&gt; DOIs (Digital Object Identifiers)</a:t>
+            </a:r>
+          </a:p>
+          <a:p>
+            <a:r>
+              <a:rPr lang="en-US" dirty="0" smtClean="0"/>
+              <a:t>A </a:t>
+            </a:r>
+            <a:r>
+              <a:rPr lang="en-US" b="1" dirty="0"/>
+              <a:t>Digital Object Identifier or DOI </a:t>
+            </a:r>
+            <a:r>
+              <a:rPr lang="en-US" dirty="0"/>
+              <a:t>is a persistent identifier or handle used to uniquely identify objects, standardized by the International Organization for Standardization (ISO</a:t>
+            </a:r>
+            <a:r>
+              <a:rPr lang="en-US" dirty="0" smtClean="0"/>
+              <a:t>).</a:t>
+            </a:r>
+            <a:endParaRPr lang="en-US" dirty="0"/>
+          </a:p>
+        </p:txBody>
+      </p:sp>
+    </p:spTree>
+    <p:extLst>
+      <p:ext uri="{BB962C8B-B14F-4D97-AF65-F5344CB8AC3E}">
+        <p14:creationId xmlns:p14="http://schemas.microsoft.com/office/powerpoint/2010/main" val="3856960289"/>
+      </p:ext>
+    </p:extLst>
+  </p:cSld>
+  <p:clrMapOvr>
+    <a:masterClrMapping/>
+  </p:clrMapOvr>
+  <p:timing>
+    <p:tnLst>
+      <p:par>
+        <p:cTn id="1" dur="indefinite" restart="never" nodeType="tmRoot"/>
+      </p:par>
+    </p:tnLst>
+  </p:timing>
+</p:sld>
+</file>
+
+<file path=ppt/slides/slide11.xml><?xml version="1.0" encoding="utf-8"?>
+<p:sld xmlns:a="http://schemas.openxmlformats.org/drawingml/2006/main" xmlns:r="http://schemas.openxmlformats.org/officeDocument/2006/relationships" xmlns:p="http://schemas.openxmlformats.org/presentationml/2006/main">
+  <p:cSld>
+    <p:spTree>
+      <p:nvGrpSpPr>
+        <p:cNvPr id="1" name=""/>
+        <p:cNvGrpSpPr/>
+        <p:nvPr/>
+      </p:nvGrpSpPr>
+      <p:grpSpPr>
+        <a:xfrm>
+          <a:off x="0" y="0"/>
+          <a:ext cx="0" cy="0"/>
+          <a:chOff x="0" y="0"/>
+          <a:chExt cx="0" cy="0"/>
+        </a:xfrm>
+      </p:grpSpPr>
+      <p:sp>
+        <p:nvSpPr>
+          <p:cNvPr id="2" name="Title 1"/>
+          <p:cNvSpPr>
+            <a:spLocks noGrp="1"/>
+          </p:cNvSpPr>
+          <p:nvPr>
+            <p:ph type="title"/>
+          </p:nvPr>
+        </p:nvSpPr>
+        <p:spPr/>
+        <p:txBody>
+          <a:bodyPr/>
+          <a:lstStyle/>
+          <a:p>
+            <a:r>
+              <a:rPr lang="en-US" dirty="0" smtClean="0"/>
+              <a:t>Digital Object Identifiers (DOI)</a:t>
+            </a:r>
+            <a:endParaRPr lang="en-US" dirty="0"/>
+          </a:p>
+        </p:txBody>
+      </p:sp>
+      <p:pic>
+        <p:nvPicPr>
+          <p:cNvPr id="4" name="Content Placeholder 3"/>
+          <p:cNvPicPr>
+            <a:picLocks noGrp="1" noChangeAspect="1"/>
+          </p:cNvPicPr>
+          <p:nvPr>
+            <p:ph idx="1"/>
+          </p:nvPr>
+        </p:nvPicPr>
+        <p:blipFill>
+          <a:blip r:embed="rId2">
+            <a:extLst>
+              <a:ext uri="{28A0092B-C50C-407E-A947-70E740481C1C}">
+                <a14:useLocalDpi xmlns:a14="http://schemas.microsoft.com/office/drawing/2010/main" val="0"/>
+              </a:ext>
+            </a:extLst>
+          </a:blip>
+          <a:stretch>
+            <a:fillRect/>
+          </a:stretch>
+        </p:blipFill>
+        <p:spPr>
+          <a:xfrm>
+            <a:off x="381000" y="1725561"/>
+            <a:ext cx="4028287" cy="4876800"/>
+          </a:xfrm>
+        </p:spPr>
+      </p:pic>
+      <p:pic>
+        <p:nvPicPr>
+          <p:cNvPr id="2050" name="Picture 2" descr="F:\Fall2018\MiningScholarlyData\Presentation\DOIInfo.PNG"/>
+          <p:cNvPicPr>
+            <a:picLocks noChangeAspect="1" noChangeArrowheads="1"/>
+          </p:cNvPicPr>
+          <p:nvPr/>
+        </p:nvPicPr>
+        <p:blipFill>
+          <a:blip r:embed="rId3">
+            <a:extLst>
+              <a:ext uri="{28A0092B-C50C-407E-A947-70E740481C1C}">
+                <a14:useLocalDpi xmlns:a14="http://schemas.microsoft.com/office/drawing/2010/main" val="0"/>
+              </a:ext>
+            </a:extLst>
+          </a:blip>
+          <a:srcRect/>
+          <a:stretch>
+            <a:fillRect/>
+          </a:stretch>
+        </p:blipFill>
+        <p:spPr bwMode="auto">
+          <a:xfrm>
+            <a:off x="4648200" y="2590800"/>
+            <a:ext cx="4193550" cy="1704975"/>
+          </a:xfrm>
+          <a:prstGeom prst="rect">
+            <a:avLst/>
+          </a:prstGeom>
+          <a:noFill/>
+          <a:extLst>
+            <a:ext uri="{909E8E84-426E-40DD-AFC4-6F175D3DCCD1}">
+              <a14:hiddenFill xmlns:a14="http://schemas.microsoft.com/office/drawing/2010/main">
+                <a:solidFill>
+                  <a:srgbClr val="FFFFFF"/>
+                </a:solidFill>
+              </a14:hiddenFill>
+            </a:ext>
+          </a:extLst>
+        </p:spPr>
+      </p:pic>
+      <p:sp>
+        <p:nvSpPr>
+          <p:cNvPr id="5" name="Rectangle 4"/>
+          <p:cNvSpPr/>
+          <p:nvPr/>
+        </p:nvSpPr>
+        <p:spPr>
+          <a:xfrm>
+            <a:off x="457200" y="5791200"/>
+            <a:ext cx="1905000" cy="914400"/>
+          </a:xfrm>
+          <a:prstGeom prst="rect">
+            <a:avLst/>
+          </a:prstGeom>
+          <a:noFill/>
+          <a:ln>
+            <a:solidFill>
+              <a:srgbClr val="FF0000"/>
+            </a:solidFill>
+          </a:ln>
+        </p:spPr>
+        <p:style>
+          <a:lnRef idx="2">
+            <a:schemeClr val="accent1">
+              <a:shade val="50000"/>
+            </a:schemeClr>
+          </a:lnRef>
+          <a:fillRef idx="1">
+            <a:schemeClr val="accent1"/>
+          </a:fillRef>
+          <a:effectRef idx="0">
+            <a:schemeClr val="accent1"/>
+          </a:effectRef>
+          <a:fontRef idx="minor">
+            <a:schemeClr val="lt1"/>
+          </a:fontRef>
+        </p:style>
+        <p:txBody>
+          <a:bodyPr rtlCol="0" anchor="ctr"/>
+          <a:lstStyle/>
+          <a:p>
+            <a:pPr algn="ctr"/>
+            <a:endParaRPr lang="en-US"/>
+          </a:p>
+        </p:txBody>
+      </p:sp>
+      <p:sp>
+        <p:nvSpPr>
+          <p:cNvPr id="6" name="Rectangle 5"/>
+          <p:cNvSpPr/>
+          <p:nvPr/>
+        </p:nvSpPr>
+        <p:spPr>
+          <a:xfrm>
+            <a:off x="4648200" y="3962400"/>
+            <a:ext cx="2096775" cy="333375"/>
+          </a:xfrm>
+          <a:prstGeom prst="rect">
+            <a:avLst/>
+          </a:prstGeom>
+          <a:noFill/>
+          <a:ln>
+            <a:solidFill>
+              <a:srgbClr val="FF0000"/>
+            </a:solidFill>
+          </a:ln>
+        </p:spPr>
+        <p:style>
+          <a:lnRef idx="2">
+            <a:schemeClr val="accent1">
+              <a:shade val="50000"/>
+            </a:schemeClr>
+          </a:lnRef>
+          <a:fillRef idx="1">
+            <a:schemeClr val="accent1"/>
+          </a:fillRef>
+          <a:effectRef idx="0">
+            <a:schemeClr val="accent1"/>
+          </a:effectRef>
+          <a:fontRef idx="minor">
+            <a:schemeClr val="lt1"/>
+          </a:fontRef>
+        </p:style>
+        <p:txBody>
+          <a:bodyPr rtlCol="0" anchor="ctr"/>
+          <a:lstStyle/>
+          <a:p>
+            <a:pPr algn="ctr"/>
+            <a:endParaRPr lang="en-US"/>
+          </a:p>
+        </p:txBody>
+      </p:sp>
+      <p:cxnSp>
+        <p:nvCxnSpPr>
+          <p:cNvPr id="8" name="Straight Arrow Connector 7"/>
+          <p:cNvCxnSpPr/>
+          <p:nvPr/>
+        </p:nvCxnSpPr>
+        <p:spPr>
+          <a:xfrm flipV="1">
+            <a:off x="2133600" y="3443287"/>
+            <a:ext cx="2362200" cy="2347913"/>
+          </a:xfrm>
+          <a:prstGeom prst="straightConnector1">
+            <a:avLst/>
+          </a:prstGeom>
+          <a:ln w="38100">
+            <a:solidFill>
+              <a:schemeClr val="tx1">
+                <a:lumMod val="90000"/>
+                <a:lumOff val="10000"/>
+              </a:schemeClr>
+            </a:solidFill>
+            <a:tailEnd type="arrow"/>
+          </a:ln>
+        </p:spPr>
+        <p:style>
+          <a:lnRef idx="1">
+            <a:schemeClr val="accent1"/>
+          </a:lnRef>
+          <a:fillRef idx="0">
+            <a:schemeClr val="accent1"/>
+          </a:fillRef>
+          <a:effectRef idx="0">
+            <a:schemeClr val="accent1"/>
+          </a:effectRef>
+          <a:fontRef idx="minor">
+            <a:schemeClr val="tx1"/>
+          </a:fontRef>
+        </p:style>
+      </p:cxnSp>
+      <p:sp>
+        <p:nvSpPr>
+          <p:cNvPr id="3" name="TextBox 2"/>
+          <p:cNvSpPr txBox="1"/>
+          <p:nvPr/>
+        </p:nvSpPr>
+        <p:spPr>
+          <a:xfrm>
+            <a:off x="4953092" y="5679713"/>
+            <a:ext cx="3888658" cy="1077218"/>
+          </a:xfrm>
+          <a:prstGeom prst="rect">
+            <a:avLst/>
+          </a:prstGeom>
+          <a:noFill/>
+        </p:spPr>
+        <p:txBody>
+          <a:bodyPr wrap="square" rtlCol="0">
+            <a:spAutoFit/>
+          </a:bodyPr>
+          <a:lstStyle/>
+          <a:p>
+            <a:r>
+              <a:rPr lang="en-US" sz="1600" dirty="0"/>
+              <a:t>Taken from: </a:t>
+            </a:r>
+            <a:r>
+              <a:rPr lang="en-US" sz="1600" dirty="0">
+                <a:hlinkClick r:id="rId4"/>
+              </a:rPr>
+              <a:t>https://www.cs.odu.edu/~mln/pubs/ht-2018/hypertext-2018-nwala-bootstrapping.pdf</a:t>
+            </a:r>
+            <a:endParaRPr lang="en-US" sz="1600" dirty="0"/>
+          </a:p>
+        </p:txBody>
+      </p:sp>
+    </p:spTree>
+    <p:extLst>
+      <p:ext uri="{BB962C8B-B14F-4D97-AF65-F5344CB8AC3E}">
+        <p14:creationId xmlns:p14="http://schemas.microsoft.com/office/powerpoint/2010/main" val="3805513343"/>
+      </p:ext>
+    </p:extLst>
+  </p:cSld>
+  <p:clrMapOvr>
+    <a:masterClrMapping/>
+  </p:clrMapOvr>
+  <p:timing>
+    <p:tnLst>
+      <p:par>
+        <p:cTn id="1" dur="indefinite" restart="never" nodeType="tmRoot"/>
+      </p:par>
+    </p:tnLst>
+  </p:timing>
+</p:sld>
+</file>
+
+<file path=ppt/slides/slide12.xml><?xml version="1.0" encoding="utf-8"?>
+<p:sld xmlns:a="http://schemas.openxmlformats.org/drawingml/2006/main" xmlns:r="http://schemas.openxmlformats.org/officeDocument/2006/relationships" xmlns:p="http://schemas.openxmlformats.org/presentationml/2006/main">
+  <p:cSld>
+    <p:spTree>
+      <p:nvGrpSpPr>
+        <p:cNvPr id="1" name=""/>
+        <p:cNvGrpSpPr/>
+        <p:nvPr/>
+      </p:nvGrpSpPr>
+      <p:grpSpPr>
+        <a:xfrm>
+          <a:off x="0" y="0"/>
+          <a:ext cx="0" cy="0"/>
+          <a:chOff x="0" y="0"/>
+          <a:chExt cx="0" cy="0"/>
+        </a:xfrm>
+      </p:grpSpPr>
+      <p:sp>
+        <p:nvSpPr>
+          <p:cNvPr id="2" name="Title 1"/>
+          <p:cNvSpPr>
+            <a:spLocks noGrp="1"/>
+          </p:cNvSpPr>
+          <p:nvPr>
+            <p:ph type="title"/>
+          </p:nvPr>
+        </p:nvSpPr>
+        <p:spPr/>
+        <p:txBody>
+          <a:bodyPr/>
+          <a:lstStyle/>
+          <a:p>
+            <a:r>
+              <a:rPr lang="en-US" dirty="0" smtClean="0"/>
+              <a:t>DOI Search Result</a:t>
+            </a:r>
+            <a:endParaRPr lang="en-US" dirty="0"/>
+          </a:p>
+        </p:txBody>
+      </p:sp>
+      <p:pic>
+        <p:nvPicPr>
+          <p:cNvPr id="4" name="Content Placeholder 3"/>
+          <p:cNvPicPr>
+            <a:picLocks noGrp="1" noChangeAspect="1"/>
+          </p:cNvPicPr>
+          <p:nvPr>
+            <p:ph idx="1"/>
+          </p:nvPr>
+        </p:nvPicPr>
+        <p:blipFill>
+          <a:blip r:embed="rId2">
+            <a:extLst>
+              <a:ext uri="{28A0092B-C50C-407E-A947-70E740481C1C}">
+                <a14:useLocalDpi xmlns:a14="http://schemas.microsoft.com/office/drawing/2010/main" val="0"/>
+              </a:ext>
+            </a:extLst>
+          </a:blip>
+          <a:stretch>
+            <a:fillRect/>
+          </a:stretch>
+        </p:blipFill>
+        <p:spPr>
+          <a:xfrm>
+            <a:off x="723586" y="1600200"/>
+            <a:ext cx="7696827" cy="4876800"/>
+          </a:xfrm>
+        </p:spPr>
+      </p:pic>
+      <p:sp>
+        <p:nvSpPr>
+          <p:cNvPr id="3" name="TextBox 2"/>
+          <p:cNvSpPr txBox="1"/>
+          <p:nvPr/>
+        </p:nvSpPr>
+        <p:spPr>
+          <a:xfrm>
+            <a:off x="1079090" y="6403588"/>
+            <a:ext cx="6261329" cy="338554"/>
+          </a:xfrm>
+          <a:prstGeom prst="rect">
+            <a:avLst/>
+          </a:prstGeom>
+          <a:noFill/>
+        </p:spPr>
+        <p:txBody>
+          <a:bodyPr wrap="none" rtlCol="0">
+            <a:spAutoFit/>
+          </a:bodyPr>
+          <a:lstStyle/>
+          <a:p>
+            <a:r>
+              <a:rPr lang="en-US" sz="1600" dirty="0"/>
+              <a:t>Taken from: </a:t>
+            </a:r>
+            <a:r>
+              <a:rPr lang="en-US" sz="1600" dirty="0">
+                <a:hlinkClick r:id="rId3"/>
+              </a:rPr>
+              <a:t>https://dl.acm.org/citation.cfm?doid=3209542.3209560</a:t>
+            </a:r>
+            <a:endParaRPr lang="en-US" sz="1600" dirty="0"/>
+          </a:p>
+        </p:txBody>
+      </p:sp>
+    </p:spTree>
+    <p:extLst>
+      <p:ext uri="{BB962C8B-B14F-4D97-AF65-F5344CB8AC3E}">
+        <p14:creationId xmlns:p14="http://schemas.microsoft.com/office/powerpoint/2010/main" val="3678244448"/>
+      </p:ext>
+    </p:extLst>
+  </p:cSld>
+  <p:clrMapOvr>
+    <a:masterClrMapping/>
+  </p:clrMapOvr>
+  <p:timing>
+    <p:tnLst>
+      <p:par>
+        <p:cTn id="1" dur="indefinite" restart="never" nodeType="tmRoot"/>
+      </p:par>
+    </p:tnLst>
+  </p:timing>
+</p:sld>
+</file>
+
+<file path=ppt/slides/slide13.xml><?xml version="1.0" encoding="utf-8"?>
+<p:sld xmlns:a="http://schemas.openxmlformats.org/drawingml/2006/main" xmlns:r="http://schemas.openxmlformats.org/officeDocument/2006/relationships" xmlns:p="http://schemas.openxmlformats.org/presentationml/2006/main">
+  <p:cSld>
+    <p:spTree>
+      <p:nvGrpSpPr>
+        <p:cNvPr id="1" name=""/>
+        <p:cNvGrpSpPr/>
+        <p:nvPr/>
+      </p:nvGrpSpPr>
+      <p:grpSpPr>
+        <a:xfrm>
+          <a:off x="0" y="0"/>
+          <a:ext cx="0" cy="0"/>
+          <a:chOff x="0" y="0"/>
+          <a:chExt cx="0" cy="0"/>
+        </a:xfrm>
+      </p:grpSpPr>
+      <p:sp>
+        <p:nvSpPr>
+          <p:cNvPr id="2" name="Title 1"/>
+          <p:cNvSpPr>
+            <a:spLocks noGrp="1"/>
+          </p:cNvSpPr>
+          <p:nvPr>
+            <p:ph type="title"/>
+          </p:nvPr>
+        </p:nvSpPr>
+        <p:spPr/>
+        <p:txBody>
+          <a:bodyPr/>
+          <a:lstStyle/>
+          <a:p>
+            <a:r>
+              <a:rPr lang="en-US" dirty="0" smtClean="0"/>
+              <a:t>Scholarly Information Extraction</a:t>
+            </a:r>
+            <a:endParaRPr lang="en-US" dirty="0"/>
+          </a:p>
+        </p:txBody>
+      </p:sp>
+      <p:sp>
+        <p:nvSpPr>
+          <p:cNvPr id="3" name="Content Placeholder 2"/>
+          <p:cNvSpPr>
+            <a:spLocks noGrp="1"/>
+          </p:cNvSpPr>
+          <p:nvPr>
+            <p:ph idx="1"/>
+          </p:nvPr>
+        </p:nvSpPr>
+        <p:spPr/>
+        <p:txBody>
+          <a:bodyPr/>
+          <a:lstStyle/>
+          <a:p>
+            <a:r>
+              <a:rPr lang="en-US" sz="3200" dirty="0"/>
+              <a:t>Metadata </a:t>
+            </a:r>
+            <a:r>
+              <a:rPr lang="en-US" sz="3200" dirty="0" smtClean="0"/>
+              <a:t>Extraction</a:t>
+            </a:r>
+          </a:p>
+          <a:p>
+            <a:pPr marL="0" indent="0">
+              <a:buNone/>
+            </a:pPr>
+            <a:r>
+              <a:rPr lang="en-US" dirty="0" smtClean="0"/>
+              <a:t>Title, authors, year and venue</a:t>
+            </a:r>
+            <a:endParaRPr lang="en-US" dirty="0"/>
+          </a:p>
+          <a:p>
+            <a:r>
+              <a:rPr lang="en-US" sz="3200" dirty="0"/>
+              <a:t>Citation </a:t>
+            </a:r>
+            <a:r>
+              <a:rPr lang="en-US" sz="3200" dirty="0" smtClean="0"/>
+              <a:t>Extraction</a:t>
+            </a:r>
+          </a:p>
+          <a:p>
+            <a:pPr marL="0" indent="0">
+              <a:buNone/>
+            </a:pPr>
+            <a:r>
+              <a:rPr lang="en-US" dirty="0" smtClean="0"/>
+              <a:t>References, Bibliography or Sources</a:t>
+            </a:r>
+            <a:endParaRPr lang="en-US" dirty="0"/>
+          </a:p>
+          <a:p>
+            <a:r>
+              <a:rPr lang="en-US" sz="3200" dirty="0"/>
+              <a:t>Author Detail Extraction and </a:t>
+            </a:r>
+            <a:r>
+              <a:rPr lang="en-US" sz="3200" dirty="0" smtClean="0"/>
+              <a:t>Profiling</a:t>
+            </a:r>
+          </a:p>
+          <a:p>
+            <a:pPr marL="0" indent="0">
+              <a:buNone/>
+            </a:pPr>
+            <a:r>
+              <a:rPr lang="en-US" dirty="0" smtClean="0"/>
+              <a:t>Author’s name, affiliations, titles and research grants</a:t>
+            </a:r>
+          </a:p>
+          <a:p>
+            <a:r>
+              <a:rPr lang="en-US" sz="3200" dirty="0" smtClean="0"/>
+              <a:t>Other Information Extraction</a:t>
+            </a:r>
+          </a:p>
+          <a:p>
+            <a:pPr marL="0" indent="0">
+              <a:buNone/>
+            </a:pPr>
+            <a:r>
+              <a:rPr lang="en-US" dirty="0" smtClean="0"/>
+              <a:t>Figures, algorithms, acknowledgements etc.</a:t>
+            </a:r>
+            <a:endParaRPr lang="en-US" dirty="0"/>
+          </a:p>
+          <a:p>
+            <a:endParaRPr lang="en-US" dirty="0"/>
+          </a:p>
+        </p:txBody>
+      </p:sp>
+    </p:spTree>
+    <p:extLst>
+      <p:ext uri="{BB962C8B-B14F-4D97-AF65-F5344CB8AC3E}">
+        <p14:creationId xmlns:p14="http://schemas.microsoft.com/office/powerpoint/2010/main" val="3301851125"/>
+      </p:ext>
+    </p:extLst>
+  </p:cSld>
+  <p:clrMapOvr>
+    <a:masterClrMapping/>
+  </p:clrMapOvr>
+  <p:timing>
+    <p:tnLst>
+      <p:par>
+        <p:cTn id="1" dur="indefinite" restart="never" nodeType="tmRoot"/>
+      </p:par>
+    </p:tnLst>
+  </p:timing>
+</p:sld>
+</file>
+
+<file path=ppt/slides/slide14.xml><?xml version="1.0" encoding="utf-8"?>
+<p:sld xmlns:a="http://schemas.openxmlformats.org/drawingml/2006/main" xmlns:r="http://schemas.openxmlformats.org/officeDocument/2006/relationships" xmlns:p="http://schemas.openxmlformats.org/presentationml/2006/main">
+  <p:cSld>
+    <p:spTree>
+      <p:nvGrpSpPr>
+        <p:cNvPr id="1" name=""/>
+        <p:cNvGrpSpPr/>
+        <p:nvPr/>
+      </p:nvGrpSpPr>
+      <p:grpSpPr>
+        <a:xfrm>
+          <a:off x="0" y="0"/>
+          <a:ext cx="0" cy="0"/>
+          <a:chOff x="0" y="0"/>
+          <a:chExt cx="0" cy="0"/>
+        </a:xfrm>
+      </p:grpSpPr>
+      <p:sp>
+        <p:nvSpPr>
+          <p:cNvPr id="2" name="Title 1"/>
+          <p:cNvSpPr>
+            <a:spLocks noGrp="1"/>
+          </p:cNvSpPr>
+          <p:nvPr>
+            <p:ph type="title"/>
+          </p:nvPr>
+        </p:nvSpPr>
+        <p:spPr/>
+        <p:txBody>
+          <a:bodyPr/>
+          <a:lstStyle/>
+          <a:p>
+            <a:r>
+              <a:rPr lang="en-US" dirty="0" smtClean="0"/>
+              <a:t>Big Data Storage Mechanism</a:t>
+            </a:r>
+            <a:endParaRPr lang="en-US" dirty="0"/>
+          </a:p>
+        </p:txBody>
+      </p:sp>
+      <p:sp>
+        <p:nvSpPr>
+          <p:cNvPr id="3" name="Content Placeholder 2"/>
+          <p:cNvSpPr>
+            <a:spLocks noGrp="1"/>
+          </p:cNvSpPr>
+          <p:nvPr>
+            <p:ph idx="1"/>
+          </p:nvPr>
+        </p:nvSpPr>
+        <p:spPr/>
+        <p:txBody>
+          <a:bodyPr/>
+          <a:lstStyle/>
+          <a:p>
+            <a:r>
+              <a:rPr lang="en-US" dirty="0" smtClean="0"/>
+              <a:t>Data is available in structured, semi-structured or unstructured forms.</a:t>
+            </a:r>
+          </a:p>
+          <a:p>
+            <a:r>
+              <a:rPr lang="en-US" dirty="0" smtClean="0"/>
+              <a:t>Google Big Table, </a:t>
+            </a:r>
+            <a:r>
+              <a:rPr lang="en-US" dirty="0" err="1" smtClean="0"/>
+              <a:t>MapReduce</a:t>
+            </a:r>
+            <a:r>
+              <a:rPr lang="en-US" dirty="0" smtClean="0"/>
+              <a:t>, Hadoop and Data Stream Management System(DSMS) used for data storage and management.</a:t>
+            </a:r>
+          </a:p>
+        </p:txBody>
+      </p:sp>
+    </p:spTree>
+    <p:extLst>
+      <p:ext uri="{BB962C8B-B14F-4D97-AF65-F5344CB8AC3E}">
+        <p14:creationId xmlns:p14="http://schemas.microsoft.com/office/powerpoint/2010/main" val="4072641420"/>
+      </p:ext>
+    </p:extLst>
+  </p:cSld>
+  <p:clrMapOvr>
+    <a:masterClrMapping/>
+  </p:clrMapOvr>
+  <p:timing>
+    <p:tnLst>
+      <p:par>
+        <p:cTn id="1" dur="indefinite" restart="never" nodeType="tmRoot"/>
+      </p:par>
+    </p:tnLst>
+  </p:timing>
+</p:sld>
+</file>
+
+<file path=ppt/slides/slide15.xml><?xml version="1.0" encoding="utf-8"?>
+<p:sld xmlns:a="http://schemas.openxmlformats.org/drawingml/2006/main" xmlns:r="http://schemas.openxmlformats.org/officeDocument/2006/relationships" xmlns:p="http://schemas.openxmlformats.org/presentationml/2006/main">
+  <p:cSld>
+    <p:spTree>
+      <p:nvGrpSpPr>
+        <p:cNvPr id="1" name=""/>
+        <p:cNvGrpSpPr/>
+        <p:nvPr/>
+      </p:nvGrpSpPr>
+      <p:grpSpPr>
+        <a:xfrm>
+          <a:off x="0" y="0"/>
+          <a:ext cx="0" cy="0"/>
+          <a:chOff x="0" y="0"/>
+          <a:chExt cx="0" cy="0"/>
+        </a:xfrm>
+      </p:grpSpPr>
+      <p:sp>
+        <p:nvSpPr>
+          <p:cNvPr id="2" name="Title 1"/>
+          <p:cNvSpPr>
+            <a:spLocks noGrp="1"/>
+          </p:cNvSpPr>
+          <p:nvPr>
+            <p:ph type="title"/>
+          </p:nvPr>
+        </p:nvSpPr>
+        <p:spPr/>
+        <p:txBody>
+          <a:bodyPr>
+            <a:normAutofit fontScale="90000"/>
+          </a:bodyPr>
+          <a:lstStyle/>
+          <a:p>
+            <a:r>
+              <a:rPr lang="en-US" dirty="0"/>
+              <a:t>Citation </a:t>
+            </a:r>
+            <a:r>
+              <a:rPr lang="en-US" dirty="0" smtClean="0"/>
+              <a:t>Index: For Connecting Scholarly Documents </a:t>
+            </a:r>
+            <a:endParaRPr lang="en-US" dirty="0"/>
+          </a:p>
+        </p:txBody>
+      </p:sp>
+      <p:sp>
+        <p:nvSpPr>
+          <p:cNvPr id="3" name="Content Placeholder 2"/>
+          <p:cNvSpPr>
+            <a:spLocks noGrp="1"/>
+          </p:cNvSpPr>
+          <p:nvPr>
+            <p:ph idx="1"/>
+          </p:nvPr>
+        </p:nvSpPr>
+        <p:spPr/>
+        <p:txBody>
+          <a:bodyPr>
+            <a:normAutofit/>
+          </a:bodyPr>
+          <a:lstStyle/>
+          <a:p>
+            <a:pPr marL="0" indent="0" algn="ctr">
+              <a:buNone/>
+            </a:pPr>
+            <a:endParaRPr lang="en-US" sz="3200" dirty="0" smtClean="0"/>
+          </a:p>
+          <a:p>
+            <a:pPr marL="0" indent="0" algn="ctr">
+              <a:buNone/>
+            </a:pPr>
+            <a:r>
+              <a:rPr lang="en-US" sz="3200" dirty="0" smtClean="0"/>
+              <a:t>A citation index catalogues the citations that an articles makes, linking the articles with the cited work.</a:t>
+            </a:r>
+            <a:endParaRPr lang="en-US" sz="3200" dirty="0"/>
+          </a:p>
+        </p:txBody>
+      </p:sp>
+    </p:spTree>
+    <p:extLst>
+      <p:ext uri="{BB962C8B-B14F-4D97-AF65-F5344CB8AC3E}">
+        <p14:creationId xmlns:p14="http://schemas.microsoft.com/office/powerpoint/2010/main" val="2828008016"/>
+      </p:ext>
+    </p:extLst>
+  </p:cSld>
+  <p:clrMapOvr>
+    <a:masterClrMapping/>
+  </p:clrMapOvr>
+  <p:timing>
+    <p:tnLst>
+      <p:par>
+        <p:cTn id="1" dur="indefinite" restart="never" nodeType="tmRoot"/>
+      </p:par>
+    </p:tnLst>
+  </p:timing>
+</p:sld>
+</file>
+
+<file path=ppt/slides/slide16.xml><?xml version="1.0" encoding="utf-8"?>
+<p:sld xmlns:a="http://schemas.openxmlformats.org/drawingml/2006/main" xmlns:r="http://schemas.openxmlformats.org/officeDocument/2006/relationships" xmlns:p="http://schemas.openxmlformats.org/presentationml/2006/main">
+  <p:cSld>
+    <p:spTree>
+      <p:nvGrpSpPr>
+        <p:cNvPr id="1" name=""/>
+        <p:cNvGrpSpPr/>
+        <p:nvPr/>
+      </p:nvGrpSpPr>
+      <p:grpSpPr>
+        <a:xfrm>
+          <a:off x="0" y="0"/>
+          <a:ext cx="0" cy="0"/>
+          <a:chOff x="0" y="0"/>
+          <a:chExt cx="0" cy="0"/>
+        </a:xfrm>
+      </p:grpSpPr>
+      <p:sp>
+        <p:nvSpPr>
+          <p:cNvPr id="2" name="Title 1"/>
+          <p:cNvSpPr>
+            <a:spLocks noGrp="1"/>
+          </p:cNvSpPr>
+          <p:nvPr>
+            <p:ph type="title"/>
+          </p:nvPr>
+        </p:nvSpPr>
+        <p:spPr/>
+        <p:txBody>
+          <a:bodyPr>
+            <a:normAutofit fontScale="90000"/>
+          </a:bodyPr>
+          <a:lstStyle/>
+          <a:p>
+            <a:r>
+              <a:rPr lang="en-US" dirty="0" smtClean="0"/>
+              <a:t>Citation Graph: Finds relationship between articles</a:t>
+            </a:r>
+            <a:endParaRPr lang="en-US" dirty="0"/>
+          </a:p>
+        </p:txBody>
+      </p:sp>
+      <p:pic>
+        <p:nvPicPr>
+          <p:cNvPr id="6" name="Content Placeholder 5"/>
+          <p:cNvPicPr>
+            <a:picLocks noGrp="1" noChangeAspect="1"/>
+          </p:cNvPicPr>
+          <p:nvPr>
+            <p:ph idx="1"/>
+          </p:nvPr>
+        </p:nvPicPr>
+        <p:blipFill>
+          <a:blip r:embed="rId2">
+            <a:extLst>
+              <a:ext uri="{28A0092B-C50C-407E-A947-70E740481C1C}">
+                <a14:useLocalDpi xmlns:a14="http://schemas.microsoft.com/office/drawing/2010/main" val="0"/>
+              </a:ext>
+            </a:extLst>
+          </a:blip>
+          <a:stretch>
+            <a:fillRect/>
+          </a:stretch>
+        </p:blipFill>
+        <p:spPr>
+          <a:xfrm>
+            <a:off x="2438400" y="1905000"/>
+            <a:ext cx="4043608" cy="4438106"/>
+          </a:xfrm>
+        </p:spPr>
+      </p:pic>
+      <p:sp>
+        <p:nvSpPr>
+          <p:cNvPr id="7" name="TextBox 6"/>
+          <p:cNvSpPr txBox="1"/>
+          <p:nvPr/>
+        </p:nvSpPr>
+        <p:spPr>
+          <a:xfrm>
+            <a:off x="1447800" y="6444423"/>
+            <a:ext cx="6793335" cy="338554"/>
+          </a:xfrm>
+          <a:prstGeom prst="rect">
+            <a:avLst/>
+          </a:prstGeom>
+          <a:noFill/>
+        </p:spPr>
+        <p:txBody>
+          <a:bodyPr wrap="none" rtlCol="0">
+            <a:spAutoFit/>
+          </a:bodyPr>
+          <a:lstStyle/>
+          <a:p>
+            <a:r>
+              <a:rPr lang="en-US" sz="1600" dirty="0" smtClean="0"/>
+              <a:t>Courtesy: Jian Wu Lecture Slides from CS 795.895 on Scholarly Big Data</a:t>
+            </a:r>
+            <a:endParaRPr lang="en-US" sz="1600" dirty="0"/>
+          </a:p>
+        </p:txBody>
+      </p:sp>
+    </p:spTree>
+    <p:extLst>
+      <p:ext uri="{BB962C8B-B14F-4D97-AF65-F5344CB8AC3E}">
+        <p14:creationId xmlns:p14="http://schemas.microsoft.com/office/powerpoint/2010/main" val="1721220704"/>
+      </p:ext>
+    </p:extLst>
+  </p:cSld>
+  <p:clrMapOvr>
+    <a:masterClrMapping/>
+  </p:clrMapOvr>
+  <p:timing>
+    <p:tnLst>
+      <p:par>
+        <p:cTn id="1" dur="indefinite" restart="never" nodeType="tmRoot"/>
+      </p:par>
+    </p:tnLst>
+  </p:timing>
+</p:sld>
+</file>
+
+<file path=ppt/slides/slide17.xml><?xml version="1.0" encoding="utf-8"?>
+<p:sld xmlns:a="http://schemas.openxmlformats.org/drawingml/2006/main" xmlns:r="http://schemas.openxmlformats.org/officeDocument/2006/relationships" xmlns:p="http://schemas.openxmlformats.org/presentationml/2006/main">
+  <p:cSld>
+    <p:spTree>
+      <p:nvGrpSpPr>
+        <p:cNvPr id="1" name=""/>
+        <p:cNvGrpSpPr/>
+        <p:nvPr/>
+      </p:nvGrpSpPr>
+      <p:grpSpPr>
+        <a:xfrm>
+          <a:off x="0" y="0"/>
+          <a:ext cx="0" cy="0"/>
+          <a:chOff x="0" y="0"/>
+          <a:chExt cx="0" cy="0"/>
+        </a:xfrm>
+      </p:grpSpPr>
+      <p:sp>
+        <p:nvSpPr>
+          <p:cNvPr id="2" name="Title 1"/>
+          <p:cNvSpPr>
+            <a:spLocks noGrp="1"/>
+          </p:cNvSpPr>
+          <p:nvPr>
+            <p:ph type="title"/>
+          </p:nvPr>
+        </p:nvSpPr>
+        <p:spPr/>
+        <p:txBody>
+          <a:bodyPr>
+            <a:normAutofit fontScale="90000"/>
+          </a:bodyPr>
+          <a:lstStyle/>
+          <a:p>
+            <a:r>
+              <a:rPr lang="en-US" dirty="0" err="1" smtClean="0"/>
+              <a:t>CiteSeer</a:t>
+            </a:r>
+            <a:r>
+              <a:rPr lang="en-US" dirty="0" smtClean="0"/>
+              <a:t>: Autonomous Citation Indexing</a:t>
+            </a:r>
+            <a:endParaRPr lang="en-US" dirty="0"/>
+          </a:p>
+        </p:txBody>
+      </p:sp>
+      <p:pic>
+        <p:nvPicPr>
+          <p:cNvPr id="4" name="Content Placeholder 3"/>
+          <p:cNvPicPr>
+            <a:picLocks noGrp="1" noChangeAspect="1"/>
+          </p:cNvPicPr>
+          <p:nvPr>
+            <p:ph idx="1"/>
+          </p:nvPr>
+        </p:nvPicPr>
+        <p:blipFill>
+          <a:blip r:embed="rId2">
+            <a:extLst>
+              <a:ext uri="{28A0092B-C50C-407E-A947-70E740481C1C}">
+                <a14:useLocalDpi xmlns:a14="http://schemas.microsoft.com/office/drawing/2010/main" val="0"/>
+              </a:ext>
+            </a:extLst>
+          </a:blip>
+          <a:stretch>
+            <a:fillRect/>
+          </a:stretch>
+        </p:blipFill>
+        <p:spPr>
+          <a:xfrm>
+            <a:off x="2133600" y="1752600"/>
+            <a:ext cx="5024778" cy="4660949"/>
+          </a:xfrm>
+        </p:spPr>
+      </p:pic>
+      <p:sp>
+        <p:nvSpPr>
+          <p:cNvPr id="10" name="TextBox 9"/>
+          <p:cNvSpPr txBox="1"/>
+          <p:nvPr/>
+        </p:nvSpPr>
+        <p:spPr>
+          <a:xfrm>
+            <a:off x="2438400" y="6490608"/>
+            <a:ext cx="3744936" cy="338554"/>
+          </a:xfrm>
+          <a:prstGeom prst="rect">
+            <a:avLst/>
+          </a:prstGeom>
+          <a:noFill/>
+        </p:spPr>
+        <p:txBody>
+          <a:bodyPr wrap="none" rtlCol="0">
+            <a:spAutoFit/>
+          </a:bodyPr>
+          <a:lstStyle/>
+          <a:p>
+            <a:r>
+              <a:rPr lang="en-US" sz="1600" dirty="0" smtClean="0"/>
+              <a:t>Courtesy: Lawrence</a:t>
+            </a:r>
+            <a:r>
+              <a:rPr lang="en-US" sz="1600" dirty="0"/>
+              <a:t> </a:t>
+            </a:r>
+            <a:r>
+              <a:rPr lang="en-US" sz="1600" dirty="0" smtClean="0"/>
+              <a:t>et.al, </a:t>
+            </a:r>
+            <a:r>
+              <a:rPr lang="en-US" sz="1600" i="1" dirty="0" smtClean="0"/>
+              <a:t>“IEEE</a:t>
+            </a:r>
+            <a:r>
+              <a:rPr lang="en-US" sz="1600" dirty="0" smtClean="0"/>
+              <a:t>”,1999</a:t>
+            </a:r>
+            <a:endParaRPr lang="en-US" sz="1600" dirty="0"/>
+          </a:p>
+        </p:txBody>
+      </p:sp>
+    </p:spTree>
+    <p:extLst>
+      <p:ext uri="{BB962C8B-B14F-4D97-AF65-F5344CB8AC3E}">
+        <p14:creationId xmlns:p14="http://schemas.microsoft.com/office/powerpoint/2010/main" val="1524086759"/>
+      </p:ext>
+    </p:extLst>
+  </p:cSld>
+  <p:clrMapOvr>
+    <a:masterClrMapping/>
+  </p:clrMapOvr>
+  <p:timing>
+    <p:tnLst>
+      <p:par>
+        <p:cTn id="1" dur="indefinite" restart="never" nodeType="tmRoot"/>
+      </p:par>
+    </p:tnLst>
+  </p:timing>
+</p:sld>
+</file>
+
+<file path=ppt/slides/slide18.xml><?xml version="1.0" encoding="utf-8"?>
+<p:sld xmlns:a="http://schemas.openxmlformats.org/drawingml/2006/main" xmlns:r="http://schemas.openxmlformats.org/officeDocument/2006/relationships" xmlns:p="http://schemas.openxmlformats.org/presentationml/2006/main">
+  <p:cSld>
+    <p:spTree>
+      <p:nvGrpSpPr>
+        <p:cNvPr id="1" name=""/>
+        <p:cNvGrpSpPr/>
+        <p:nvPr/>
+      </p:nvGrpSpPr>
+      <p:grpSpPr>
+        <a:xfrm>
+          <a:off x="0" y="0"/>
+          <a:ext cx="0" cy="0"/>
+          <a:chOff x="0" y="0"/>
+          <a:chExt cx="0" cy="0"/>
+        </a:xfrm>
+      </p:grpSpPr>
+      <p:sp>
+        <p:nvSpPr>
+          <p:cNvPr id="2" name="Title 1"/>
+          <p:cNvSpPr>
+            <a:spLocks noGrp="1"/>
+          </p:cNvSpPr>
+          <p:nvPr>
+            <p:ph type="title"/>
+          </p:nvPr>
+        </p:nvSpPr>
+        <p:spPr/>
+        <p:txBody>
+          <a:bodyPr>
+            <a:normAutofit/>
+          </a:bodyPr>
+          <a:lstStyle/>
+          <a:p>
+            <a:r>
+              <a:rPr lang="en-US" dirty="0" smtClean="0"/>
+              <a:t>Estimated Scholarly Documents</a:t>
+            </a:r>
+            <a:endParaRPr lang="en-US" dirty="0"/>
+          </a:p>
+        </p:txBody>
+      </p:sp>
+      <p:pic>
+        <p:nvPicPr>
+          <p:cNvPr id="6" name="Content Placeholder 5"/>
+          <p:cNvPicPr>
+            <a:picLocks noGrp="1" noChangeAspect="1"/>
+          </p:cNvPicPr>
+          <p:nvPr>
+            <p:ph idx="1"/>
+          </p:nvPr>
+        </p:nvPicPr>
+        <p:blipFill>
+          <a:blip r:embed="rId2">
+            <a:extLst>
+              <a:ext uri="{28A0092B-C50C-407E-A947-70E740481C1C}">
+                <a14:useLocalDpi xmlns:a14="http://schemas.microsoft.com/office/drawing/2010/main" val="0"/>
+              </a:ext>
+            </a:extLst>
+          </a:blip>
+          <a:stretch>
+            <a:fillRect/>
+          </a:stretch>
+        </p:blipFill>
+        <p:spPr>
+          <a:xfrm>
+            <a:off x="381000" y="1295400"/>
+            <a:ext cx="7293996" cy="4876800"/>
+          </a:xfrm>
+        </p:spPr>
+      </p:pic>
+      <p:sp>
+        <p:nvSpPr>
+          <p:cNvPr id="8" name="TextBox 7"/>
+          <p:cNvSpPr txBox="1"/>
+          <p:nvPr/>
+        </p:nvSpPr>
+        <p:spPr>
+          <a:xfrm>
+            <a:off x="533400" y="6285429"/>
+            <a:ext cx="7924800" cy="584775"/>
+          </a:xfrm>
+          <a:prstGeom prst="rect">
+            <a:avLst/>
+          </a:prstGeom>
+          <a:noFill/>
+        </p:spPr>
+        <p:txBody>
+          <a:bodyPr wrap="square" rtlCol="0">
+            <a:spAutoFit/>
+          </a:bodyPr>
+          <a:lstStyle/>
+          <a:p>
+            <a:r>
+              <a:rPr lang="en-US" sz="1600" dirty="0" smtClean="0"/>
+              <a:t>Courtesy: </a:t>
+            </a:r>
+            <a:r>
+              <a:rPr lang="en-US" sz="1600" dirty="0" err="1"/>
+              <a:t>Khabsa</a:t>
+            </a:r>
+            <a:r>
+              <a:rPr lang="en-US" sz="1600" dirty="0"/>
+              <a:t> M, Giles CL (2014) The Number of Scholarly Documents on the Public Web. </a:t>
+            </a:r>
+            <a:r>
+              <a:rPr lang="en-US" sz="1600" dirty="0" err="1"/>
+              <a:t>PLoS</a:t>
+            </a:r>
+            <a:r>
+              <a:rPr lang="en-US" sz="1600" dirty="0"/>
+              <a:t> ONE 9(5): e93949. </a:t>
+            </a:r>
+            <a:endParaRPr lang="en-US" sz="1600" dirty="0"/>
+          </a:p>
+        </p:txBody>
+      </p:sp>
+    </p:spTree>
+    <p:extLst>
+      <p:ext uri="{BB962C8B-B14F-4D97-AF65-F5344CB8AC3E}">
+        <p14:creationId xmlns:p14="http://schemas.microsoft.com/office/powerpoint/2010/main" val="3384300817"/>
+      </p:ext>
+    </p:extLst>
+  </p:cSld>
+  <p:clrMapOvr>
+    <a:masterClrMapping/>
+  </p:clrMapOvr>
+  <p:timing>
+    <p:tnLst>
+      <p:par>
+        <p:cTn id="1" dur="indefinite" restart="never" nodeType="tmRoot"/>
+      </p:par>
+    </p:tnLst>
+  </p:timing>
+</p:sld>
+</file>
+
+<file path=ppt/slides/slide19.xml><?xml version="1.0" encoding="utf-8"?>
+<p:sld xmlns:a="http://schemas.openxmlformats.org/drawingml/2006/main" xmlns:r="http://schemas.openxmlformats.org/officeDocument/2006/relationships" xmlns:p="http://schemas.openxmlformats.org/presentationml/2006/main">
+  <p:cSld>
+    <p:spTree>
+      <p:nvGrpSpPr>
+        <p:cNvPr id="1" name=""/>
+        <p:cNvGrpSpPr/>
+        <p:nvPr/>
+      </p:nvGrpSpPr>
+      <p:grpSpPr>
+        <a:xfrm>
+          <a:off x="0" y="0"/>
+          <a:ext cx="0" cy="0"/>
+          <a:chOff x="0" y="0"/>
+          <a:chExt cx="0" cy="0"/>
+        </a:xfrm>
+      </p:grpSpPr>
+      <p:sp>
+        <p:nvSpPr>
+          <p:cNvPr id="2" name="Title 1"/>
+          <p:cNvSpPr>
+            <a:spLocks noGrp="1"/>
+          </p:cNvSpPr>
+          <p:nvPr>
+            <p:ph type="title"/>
+          </p:nvPr>
+        </p:nvSpPr>
+        <p:spPr/>
+        <p:txBody>
+          <a:bodyPr>
+            <a:normAutofit fontScale="90000"/>
+          </a:bodyPr>
+          <a:lstStyle/>
+          <a:p>
+            <a:r>
+              <a:rPr lang="en-US" dirty="0" err="1" smtClean="0"/>
+              <a:t>OpenDOAR</a:t>
+            </a:r>
+            <a:r>
+              <a:rPr lang="en-US" dirty="0" smtClean="0"/>
+              <a:t>: Directory of Open Access </a:t>
+            </a:r>
+            <a:r>
+              <a:rPr lang="en-US" dirty="0" err="1" smtClean="0"/>
+              <a:t>Resositories</a:t>
+            </a:r>
+            <a:endParaRPr lang="en-US" dirty="0"/>
+          </a:p>
+        </p:txBody>
+      </p:sp>
+      <p:pic>
+        <p:nvPicPr>
+          <p:cNvPr id="4" name="Content Placeholder 3"/>
+          <p:cNvPicPr>
+            <a:picLocks noGrp="1" noChangeAspect="1"/>
+          </p:cNvPicPr>
+          <p:nvPr>
+            <p:ph idx="1"/>
+          </p:nvPr>
+        </p:nvPicPr>
+        <p:blipFill>
+          <a:blip r:embed="rId2">
+            <a:extLst>
+              <a:ext uri="{28A0092B-C50C-407E-A947-70E740481C1C}">
+                <a14:useLocalDpi xmlns:a14="http://schemas.microsoft.com/office/drawing/2010/main" val="0"/>
+              </a:ext>
+            </a:extLst>
+          </a:blip>
+          <a:stretch>
+            <a:fillRect/>
+          </a:stretch>
+        </p:blipFill>
+        <p:spPr>
+          <a:xfrm>
+            <a:off x="457200" y="1840523"/>
+            <a:ext cx="8229600" cy="4396153"/>
+          </a:xfrm>
+        </p:spPr>
+      </p:pic>
+      <p:sp>
+        <p:nvSpPr>
+          <p:cNvPr id="3" name="TextBox 2"/>
+          <p:cNvSpPr txBox="1"/>
+          <p:nvPr/>
+        </p:nvSpPr>
+        <p:spPr>
+          <a:xfrm>
+            <a:off x="2667000" y="6444423"/>
+            <a:ext cx="4262385" cy="338554"/>
+          </a:xfrm>
+          <a:prstGeom prst="rect">
+            <a:avLst/>
+          </a:prstGeom>
+          <a:noFill/>
+        </p:spPr>
+        <p:txBody>
+          <a:bodyPr wrap="none" rtlCol="0">
+            <a:spAutoFit/>
+          </a:bodyPr>
+          <a:lstStyle/>
+          <a:p>
+            <a:r>
+              <a:rPr lang="en-US" sz="1600" dirty="0"/>
+              <a:t>Taken from: </a:t>
+            </a:r>
+            <a:r>
+              <a:rPr lang="en-US" sz="1600" dirty="0">
+                <a:hlinkClick r:id="rId3"/>
+              </a:rPr>
+              <a:t>http://v2.sherpa.ac.uk/opendoar/</a:t>
+            </a:r>
+            <a:endParaRPr lang="en-US" sz="1600" dirty="0"/>
+          </a:p>
+        </p:txBody>
+      </p:sp>
+    </p:spTree>
+    <p:extLst>
+      <p:ext uri="{BB962C8B-B14F-4D97-AF65-F5344CB8AC3E}">
+        <p14:creationId xmlns:p14="http://schemas.microsoft.com/office/powerpoint/2010/main" val="1868163349"/>
+      </p:ext>
+    </p:extLst>
+  </p:cSld>
+  <p:clrMapOvr>
+    <a:masterClrMapping/>
+  </p:clrMapOvr>
+  <p:timing>
+    <p:tnLst>
+      <p:par>
+        <p:cTn id="1" dur="indefinite" restart="never" nodeType="tmRoot"/>
+      </p:par>
+    </p:tnLst>
+  </p:timing>
 </p:sld>
 </file>
 
@@ -3553,7 +5624,15 @@
             </a:r>
             <a:r>
               <a:rPr lang="en-US" dirty="0"/>
-              <a:t>, with associated services, where the information is stored in digital formats and accessible over a </a:t>
+              <a:t>, with </a:t>
+            </a:r>
+            <a:r>
+              <a:rPr lang="en-US" b="1" dirty="0"/>
+              <a:t>associated services</a:t>
+            </a:r>
+            <a:r>
+              <a:rPr lang="en-US" dirty="0"/>
+              <a:t>, where the information is stored in digital formats and accessible over a </a:t>
             </a:r>
             <a:r>
               <a:rPr lang="en-US" dirty="0" smtClean="0"/>
@@ -3585,7 +5664,7 @@
           </a:p>
           <a:p>
             <a:endParaRPr lang="en-US" sz="1600" dirty="0">
-              <a:hlinkClick r:id="rId2"/>
+              <a:hlinkClick r:id="rId3"/>
             </a:endParaRPr>
           </a:p>
           <a:p>
@@ -3603,17 +5682,21 @@
             </a:pPr>
             <a:r>
               <a:rPr lang="en-US" sz="1600" dirty="0" smtClean="0"/>
-              <a:t>From: </a:t>
+              <a:t>Taken From</a:t>
+            </a:r>
+            <a:r>
+              <a:rPr lang="en-US" sz="1600" dirty="0" smtClean="0"/>
+              <a:t>: </a:t>
             </a:r>
             <a:r>
               <a:rPr lang="en-US" sz="1600" dirty="0" smtClean="0">
-                <a:hlinkClick r:id="rId2"/>
+                <a:hlinkClick r:id="rId3"/>
               </a:rPr>
               <a:t>http</a:t>
             </a:r>
             <a:r>
               <a:rPr lang="en-US" sz="1600" dirty="0">
-                <a:hlinkClick r:id="rId2"/>
+                <a:hlinkClick r:id="rId3"/>
               </a:rPr>
               <a:t>://home.wlu.edu/~whaleyt/classes/DigiLib/Whaley/Definition.html</a:t>
             </a:r>
@@ -3623,7 +5706,7 @@
               <a:buNone/>
             </a:pPr>
             <a:endParaRPr lang="en-US" sz="1600" dirty="0">
-              <a:hlinkClick r:id="rId2"/>
+              <a:hlinkClick r:id="rId3"/>
             </a:endParaRPr>
           </a:p>
         </p:txBody>
@@ -3638,6 +5721,1085 @@
   <p:clrMapOvr>
     <a:masterClrMapping/>
   </p:clrMapOvr>
+  <mc:AlternateContent xmlns:mc="http://schemas.openxmlformats.org/markup-compatibility/2006">
+    <mc:Choice xmlns:p14="http://schemas.microsoft.com/office/powerpoint/2010/main" Requires="p14">
+      <p:transition p14:dur="0"/>
+    </mc:Choice>
+    <mc:Fallback>
+      <p:transition/>
+    </mc:Fallback>
+  </mc:AlternateContent>
+  <p:timing>
+    <p:tnLst>
+      <p:par>
+        <p:cTn id="1" dur="indefinite" restart="never" nodeType="tmRoot"/>
+      </p:par>
+    </p:tnLst>
+  </p:timing>
+</p:sld>
+</file>
+
+<file path=ppt/slides/slide20.xml><?xml version="1.0" encoding="utf-8"?>
+<p:sld xmlns:a="http://schemas.openxmlformats.org/drawingml/2006/main" xmlns:r="http://schemas.openxmlformats.org/officeDocument/2006/relationships" xmlns:p="http://schemas.openxmlformats.org/presentationml/2006/main">
+  <p:cSld>
+    <p:spTree>
+      <p:nvGrpSpPr>
+        <p:cNvPr id="1" name=""/>
+        <p:cNvGrpSpPr/>
+        <p:nvPr/>
+      </p:nvGrpSpPr>
+      <p:grpSpPr>
+        <a:xfrm>
+          <a:off x="0" y="0"/>
+          <a:ext cx="0" cy="0"/>
+          <a:chOff x="0" y="0"/>
+          <a:chExt cx="0" cy="0"/>
+        </a:xfrm>
+      </p:grpSpPr>
+      <p:sp>
+        <p:nvSpPr>
+          <p:cNvPr id="2" name="Title 1"/>
+          <p:cNvSpPr>
+            <a:spLocks noGrp="1"/>
+          </p:cNvSpPr>
+          <p:nvPr>
+            <p:ph type="title"/>
+          </p:nvPr>
+        </p:nvSpPr>
+        <p:spPr/>
+        <p:txBody>
+          <a:bodyPr/>
+          <a:lstStyle/>
+          <a:p>
+            <a:r>
+              <a:rPr lang="en-US" dirty="0" err="1" smtClean="0"/>
+              <a:t>OpenDoar</a:t>
+            </a:r>
+            <a:r>
+              <a:rPr lang="en-US" dirty="0" smtClean="0"/>
+              <a:t>: Search Result</a:t>
+            </a:r>
+            <a:endParaRPr lang="en-US" dirty="0"/>
+          </a:p>
+        </p:txBody>
+      </p:sp>
+      <p:pic>
+        <p:nvPicPr>
+          <p:cNvPr id="6" name="Content Placeholder 5"/>
+          <p:cNvPicPr>
+            <a:picLocks noGrp="1" noChangeAspect="1"/>
+          </p:cNvPicPr>
+          <p:nvPr>
+            <p:ph idx="1"/>
+          </p:nvPr>
+        </p:nvPicPr>
+        <p:blipFill>
+          <a:blip r:embed="rId2">
+            <a:extLst>
+              <a:ext uri="{28A0092B-C50C-407E-A947-70E740481C1C}">
+                <a14:useLocalDpi xmlns:a14="http://schemas.microsoft.com/office/drawing/2010/main" val="0"/>
+              </a:ext>
+            </a:extLst>
+          </a:blip>
+          <a:stretch>
+            <a:fillRect/>
+          </a:stretch>
+        </p:blipFill>
+        <p:spPr>
+          <a:xfrm>
+            <a:off x="869396" y="1600200"/>
+            <a:ext cx="7405207" cy="4876800"/>
+          </a:xfrm>
+        </p:spPr>
+      </p:pic>
+    </p:spTree>
+    <p:extLst>
+      <p:ext uri="{BB962C8B-B14F-4D97-AF65-F5344CB8AC3E}">
+        <p14:creationId xmlns:p14="http://schemas.microsoft.com/office/powerpoint/2010/main" val="1749433478"/>
+      </p:ext>
+    </p:extLst>
+  </p:cSld>
+  <p:clrMapOvr>
+    <a:masterClrMapping/>
+  </p:clrMapOvr>
+  <p:timing>
+    <p:tnLst>
+      <p:par>
+        <p:cTn id="1" dur="indefinite" restart="never" nodeType="tmRoot"/>
+      </p:par>
+    </p:tnLst>
+  </p:timing>
+</p:sld>
+</file>
+
+<file path=ppt/slides/slide21.xml><?xml version="1.0" encoding="utf-8"?>
+<p:sld xmlns:a="http://schemas.openxmlformats.org/drawingml/2006/main" xmlns:r="http://schemas.openxmlformats.org/officeDocument/2006/relationships" xmlns:p="http://schemas.openxmlformats.org/presentationml/2006/main">
+  <p:cSld>
+    <p:spTree>
+      <p:nvGrpSpPr>
+        <p:cNvPr id="1" name=""/>
+        <p:cNvGrpSpPr/>
+        <p:nvPr/>
+      </p:nvGrpSpPr>
+      <p:grpSpPr>
+        <a:xfrm>
+          <a:off x="0" y="0"/>
+          <a:ext cx="0" cy="0"/>
+          <a:chOff x="0" y="0"/>
+          <a:chExt cx="0" cy="0"/>
+        </a:xfrm>
+      </p:grpSpPr>
+      <p:sp>
+        <p:nvSpPr>
+          <p:cNvPr id="2" name="Title 1"/>
+          <p:cNvSpPr>
+            <a:spLocks noGrp="1"/>
+          </p:cNvSpPr>
+          <p:nvPr>
+            <p:ph type="title"/>
+          </p:nvPr>
+        </p:nvSpPr>
+        <p:spPr/>
+        <p:txBody>
+          <a:bodyPr>
+            <a:normAutofit fontScale="90000"/>
+          </a:bodyPr>
+          <a:lstStyle/>
+          <a:p>
+            <a:r>
+              <a:rPr lang="en-US" dirty="0" smtClean="0"/>
+              <a:t>ROAR: Registry </a:t>
+            </a:r>
+            <a:r>
+              <a:rPr lang="en-US" dirty="0"/>
+              <a:t>of Open Access Repositories</a:t>
+            </a:r>
+          </a:p>
+        </p:txBody>
+      </p:sp>
+      <p:sp>
+        <p:nvSpPr>
+          <p:cNvPr id="3" name="Content Placeholder 2"/>
+          <p:cNvSpPr>
+            <a:spLocks noGrp="1"/>
+          </p:cNvSpPr>
+          <p:nvPr>
+            <p:ph idx="1"/>
+          </p:nvPr>
+        </p:nvSpPr>
+        <p:spPr/>
+        <p:txBody>
+          <a:bodyPr/>
+          <a:lstStyle/>
+          <a:p>
+            <a:pPr marL="0" indent="0">
+              <a:buNone/>
+            </a:pPr>
+            <a:r>
+              <a:rPr lang="en-US" dirty="0" smtClean="0"/>
+              <a:t> </a:t>
+            </a:r>
+            <a:endParaRPr lang="en-US" dirty="0"/>
+          </a:p>
+        </p:txBody>
+      </p:sp>
+      <p:pic>
+        <p:nvPicPr>
+          <p:cNvPr id="1027" name="Picture 3" descr="F:\Fall2018\MiningScholarlyData\Presentation\ROAR.PNG"/>
+          <p:cNvPicPr>
+            <a:picLocks noChangeAspect="1" noChangeArrowheads="1"/>
+          </p:cNvPicPr>
+          <p:nvPr/>
+        </p:nvPicPr>
+        <p:blipFill>
+          <a:blip r:embed="rId2">
+            <a:extLst>
+              <a:ext uri="{28A0092B-C50C-407E-A947-70E740481C1C}">
+                <a14:useLocalDpi xmlns:a14="http://schemas.microsoft.com/office/drawing/2010/main" val="0"/>
+              </a:ext>
+            </a:extLst>
+          </a:blip>
+          <a:srcRect/>
+          <a:stretch>
+            <a:fillRect/>
+          </a:stretch>
+        </p:blipFill>
+        <p:spPr bwMode="auto">
+          <a:xfrm>
+            <a:off x="1084006" y="1676400"/>
+            <a:ext cx="7015163" cy="4887235"/>
+          </a:xfrm>
+          <a:prstGeom prst="rect">
+            <a:avLst/>
+          </a:prstGeom>
+          <a:noFill/>
+          <a:extLst>
+            <a:ext uri="{909E8E84-426E-40DD-AFC4-6F175D3DCCD1}">
+              <a14:hiddenFill xmlns:a14="http://schemas.microsoft.com/office/drawing/2010/main">
+                <a:solidFill>
+                  <a:srgbClr val="FFFFFF"/>
+                </a:solidFill>
+              </a14:hiddenFill>
+            </a:ext>
+          </a:extLst>
+        </p:spPr>
+      </p:pic>
+      <p:sp>
+        <p:nvSpPr>
+          <p:cNvPr id="4" name="TextBox 3"/>
+          <p:cNvSpPr txBox="1"/>
+          <p:nvPr/>
+        </p:nvSpPr>
+        <p:spPr>
+          <a:xfrm>
+            <a:off x="2138516" y="6519446"/>
+            <a:ext cx="5151923" cy="338554"/>
+          </a:xfrm>
+          <a:prstGeom prst="rect">
+            <a:avLst/>
+          </a:prstGeom>
+          <a:noFill/>
+        </p:spPr>
+        <p:txBody>
+          <a:bodyPr wrap="none" rtlCol="0">
+            <a:spAutoFit/>
+          </a:bodyPr>
+          <a:lstStyle/>
+          <a:p>
+            <a:r>
+              <a:rPr lang="en-US" sz="1600" dirty="0"/>
+              <a:t>Taken from: </a:t>
+            </a:r>
+            <a:r>
+              <a:rPr lang="en-US" sz="1600" dirty="0">
+                <a:hlinkClick r:id="rId3"/>
+              </a:rPr>
+              <a:t>http://roar.eprints.org/cgi/search/advanced</a:t>
+            </a:r>
+            <a:endParaRPr lang="en-US" sz="1600" dirty="0"/>
+          </a:p>
+        </p:txBody>
+      </p:sp>
+    </p:spTree>
+    <p:extLst>
+      <p:ext uri="{BB962C8B-B14F-4D97-AF65-F5344CB8AC3E}">
+        <p14:creationId xmlns:p14="http://schemas.microsoft.com/office/powerpoint/2010/main" val="2392838245"/>
+      </p:ext>
+    </p:extLst>
+  </p:cSld>
+  <p:clrMapOvr>
+    <a:masterClrMapping/>
+  </p:clrMapOvr>
+  <p:timing>
+    <p:tnLst>
+      <p:par>
+        <p:cTn id="1" dur="indefinite" restart="never" nodeType="tmRoot"/>
+      </p:par>
+    </p:tnLst>
+  </p:timing>
+</p:sld>
+</file>
+
+<file path=ppt/slides/slide22.xml><?xml version="1.0" encoding="utf-8"?>
+<p:sld xmlns:a="http://schemas.openxmlformats.org/drawingml/2006/main" xmlns:r="http://schemas.openxmlformats.org/officeDocument/2006/relationships" xmlns:p="http://schemas.openxmlformats.org/presentationml/2006/main">
+  <p:cSld>
+    <p:spTree>
+      <p:nvGrpSpPr>
+        <p:cNvPr id="1" name=""/>
+        <p:cNvGrpSpPr/>
+        <p:nvPr/>
+      </p:nvGrpSpPr>
+      <p:grpSpPr>
+        <a:xfrm>
+          <a:off x="0" y="0"/>
+          <a:ext cx="0" cy="0"/>
+          <a:chOff x="0" y="0"/>
+          <a:chExt cx="0" cy="0"/>
+        </a:xfrm>
+      </p:grpSpPr>
+      <p:sp>
+        <p:nvSpPr>
+          <p:cNvPr id="2" name="Title 1"/>
+          <p:cNvSpPr>
+            <a:spLocks noGrp="1"/>
+          </p:cNvSpPr>
+          <p:nvPr>
+            <p:ph type="title"/>
+          </p:nvPr>
+        </p:nvSpPr>
+        <p:spPr/>
+        <p:txBody>
+          <a:bodyPr/>
+          <a:lstStyle/>
+          <a:p>
+            <a:r>
+              <a:rPr lang="en-US" dirty="0" smtClean="0"/>
+              <a:t>Google Search</a:t>
+            </a:r>
+            <a:endParaRPr lang="en-US" dirty="0"/>
+          </a:p>
+        </p:txBody>
+      </p:sp>
+      <p:pic>
+        <p:nvPicPr>
+          <p:cNvPr id="6" name="Content Placeholder 5"/>
+          <p:cNvPicPr>
+            <a:picLocks noGrp="1" noChangeAspect="1"/>
+          </p:cNvPicPr>
+          <p:nvPr>
+            <p:ph idx="1"/>
+          </p:nvPr>
+        </p:nvPicPr>
+        <p:blipFill>
+          <a:blip r:embed="rId2">
+            <a:extLst>
+              <a:ext uri="{28A0092B-C50C-407E-A947-70E740481C1C}">
+                <a14:useLocalDpi xmlns:a14="http://schemas.microsoft.com/office/drawing/2010/main" val="0"/>
+              </a:ext>
+            </a:extLst>
+          </a:blip>
+          <a:stretch>
+            <a:fillRect/>
+          </a:stretch>
+        </p:blipFill>
+        <p:spPr>
+          <a:xfrm>
+            <a:off x="709072" y="1685596"/>
+            <a:ext cx="8130127" cy="4952260"/>
+          </a:xfrm>
+        </p:spPr>
+      </p:pic>
+    </p:spTree>
+    <p:extLst>
+      <p:ext uri="{BB962C8B-B14F-4D97-AF65-F5344CB8AC3E}">
+        <p14:creationId xmlns:p14="http://schemas.microsoft.com/office/powerpoint/2010/main" val="466010975"/>
+      </p:ext>
+    </p:extLst>
+  </p:cSld>
+  <p:clrMapOvr>
+    <a:masterClrMapping/>
+  </p:clrMapOvr>
+  <p:timing>
+    <p:tnLst>
+      <p:par>
+        <p:cTn id="1" dur="indefinite" restart="never" nodeType="tmRoot"/>
+      </p:par>
+    </p:tnLst>
+  </p:timing>
+</p:sld>
+</file>
+
+<file path=ppt/slides/slide23.xml><?xml version="1.0" encoding="utf-8"?>
+<p:sld xmlns:a="http://schemas.openxmlformats.org/drawingml/2006/main" xmlns:r="http://schemas.openxmlformats.org/officeDocument/2006/relationships" xmlns:p="http://schemas.openxmlformats.org/presentationml/2006/main">
+  <p:cSld>
+    <p:spTree>
+      <p:nvGrpSpPr>
+        <p:cNvPr id="1" name=""/>
+        <p:cNvGrpSpPr/>
+        <p:nvPr/>
+      </p:nvGrpSpPr>
+      <p:grpSpPr>
+        <a:xfrm>
+          <a:off x="0" y="0"/>
+          <a:ext cx="0" cy="0"/>
+          <a:chOff x="0" y="0"/>
+          <a:chExt cx="0" cy="0"/>
+        </a:xfrm>
+      </p:grpSpPr>
+      <p:sp>
+        <p:nvSpPr>
+          <p:cNvPr id="2" name="Title 1"/>
+          <p:cNvSpPr>
+            <a:spLocks noGrp="1"/>
+          </p:cNvSpPr>
+          <p:nvPr>
+            <p:ph type="title"/>
+          </p:nvPr>
+        </p:nvSpPr>
+        <p:spPr/>
+        <p:txBody>
+          <a:bodyPr/>
+          <a:lstStyle/>
+          <a:p>
+            <a:r>
+              <a:rPr lang="en-US" dirty="0" smtClean="0"/>
+              <a:t>Google Scholar</a:t>
+            </a:r>
+            <a:endParaRPr lang="en-US" dirty="0"/>
+          </a:p>
+        </p:txBody>
+      </p:sp>
+      <p:pic>
+        <p:nvPicPr>
+          <p:cNvPr id="6" name="Content Placeholder 5"/>
+          <p:cNvPicPr>
+            <a:picLocks noGrp="1" noChangeAspect="1"/>
+          </p:cNvPicPr>
+          <p:nvPr>
+            <p:ph idx="1"/>
+          </p:nvPr>
+        </p:nvPicPr>
+        <p:blipFill>
+          <a:blip r:embed="rId2">
+            <a:extLst>
+              <a:ext uri="{28A0092B-C50C-407E-A947-70E740481C1C}">
+                <a14:useLocalDpi xmlns:a14="http://schemas.microsoft.com/office/drawing/2010/main" val="0"/>
+              </a:ext>
+            </a:extLst>
+          </a:blip>
+          <a:stretch>
+            <a:fillRect/>
+          </a:stretch>
+        </p:blipFill>
+        <p:spPr>
+          <a:xfrm>
+            <a:off x="228600" y="1828800"/>
+            <a:ext cx="8723549" cy="4038531"/>
+          </a:xfrm>
+        </p:spPr>
+      </p:pic>
+    </p:spTree>
+    <p:extLst>
+      <p:ext uri="{BB962C8B-B14F-4D97-AF65-F5344CB8AC3E}">
+        <p14:creationId xmlns:p14="http://schemas.microsoft.com/office/powerpoint/2010/main" val="2570228845"/>
+      </p:ext>
+    </p:extLst>
+  </p:cSld>
+  <p:clrMapOvr>
+    <a:masterClrMapping/>
+  </p:clrMapOvr>
+  <p:timing>
+    <p:tnLst>
+      <p:par>
+        <p:cTn id="1" dur="indefinite" restart="never" nodeType="tmRoot"/>
+      </p:par>
+    </p:tnLst>
+  </p:timing>
+</p:sld>
+</file>
+
+<file path=ppt/slides/slide24.xml><?xml version="1.0" encoding="utf-8"?>
+<p:sld xmlns:a="http://schemas.openxmlformats.org/drawingml/2006/main" xmlns:r="http://schemas.openxmlformats.org/officeDocument/2006/relationships" xmlns:p="http://schemas.openxmlformats.org/presentationml/2006/main">
+  <p:cSld>
+    <p:spTree>
+      <p:nvGrpSpPr>
+        <p:cNvPr id="1" name=""/>
+        <p:cNvGrpSpPr/>
+        <p:nvPr/>
+      </p:nvGrpSpPr>
+      <p:grpSpPr>
+        <a:xfrm>
+          <a:off x="0" y="0"/>
+          <a:ext cx="0" cy="0"/>
+          <a:chOff x="0" y="0"/>
+          <a:chExt cx="0" cy="0"/>
+        </a:xfrm>
+      </p:grpSpPr>
+      <p:sp>
+        <p:nvSpPr>
+          <p:cNvPr id="2" name="Title 1"/>
+          <p:cNvSpPr>
+            <a:spLocks noGrp="1"/>
+          </p:cNvSpPr>
+          <p:nvPr>
+            <p:ph type="title"/>
+          </p:nvPr>
+        </p:nvSpPr>
+        <p:spPr/>
+        <p:txBody>
+          <a:bodyPr/>
+          <a:lstStyle/>
+          <a:p>
+            <a:r>
+              <a:rPr lang="en-US" dirty="0" err="1" smtClean="0"/>
+              <a:t>CiteSeerX</a:t>
+            </a:r>
+            <a:endParaRPr lang="en-US" dirty="0"/>
+          </a:p>
+        </p:txBody>
+      </p:sp>
+      <p:pic>
+        <p:nvPicPr>
+          <p:cNvPr id="4" name="Content Placeholder 3"/>
+          <p:cNvPicPr>
+            <a:picLocks noGrp="1" noChangeAspect="1"/>
+          </p:cNvPicPr>
+          <p:nvPr>
+            <p:ph idx="1"/>
+          </p:nvPr>
+        </p:nvPicPr>
+        <p:blipFill>
+          <a:blip r:embed="rId2">
+            <a:extLst>
+              <a:ext uri="{28A0092B-C50C-407E-A947-70E740481C1C}">
+                <a14:useLocalDpi xmlns:a14="http://schemas.microsoft.com/office/drawing/2010/main" val="0"/>
+              </a:ext>
+            </a:extLst>
+          </a:blip>
+          <a:stretch>
+            <a:fillRect/>
+          </a:stretch>
+        </p:blipFill>
+        <p:spPr>
+          <a:xfrm>
+            <a:off x="749321" y="1600200"/>
+            <a:ext cx="7645358" cy="4876800"/>
+          </a:xfrm>
+        </p:spPr>
+      </p:pic>
+    </p:spTree>
+    <p:extLst>
+      <p:ext uri="{BB962C8B-B14F-4D97-AF65-F5344CB8AC3E}">
+        <p14:creationId xmlns:p14="http://schemas.microsoft.com/office/powerpoint/2010/main" val="1027235366"/>
+      </p:ext>
+    </p:extLst>
+  </p:cSld>
+  <p:clrMapOvr>
+    <a:masterClrMapping/>
+  </p:clrMapOvr>
+  <p:timing>
+    <p:tnLst>
+      <p:par>
+        <p:cTn id="1" dur="indefinite" restart="never" nodeType="tmRoot"/>
+      </p:par>
+    </p:tnLst>
+  </p:timing>
+</p:sld>
+</file>
+
+<file path=ppt/slides/slide25.xml><?xml version="1.0" encoding="utf-8"?>
+<p:sld xmlns:a="http://schemas.openxmlformats.org/drawingml/2006/main" xmlns:r="http://schemas.openxmlformats.org/officeDocument/2006/relationships" xmlns:p="http://schemas.openxmlformats.org/presentationml/2006/main">
+  <p:cSld>
+    <p:spTree>
+      <p:nvGrpSpPr>
+        <p:cNvPr id="1" name=""/>
+        <p:cNvGrpSpPr/>
+        <p:nvPr/>
+      </p:nvGrpSpPr>
+      <p:grpSpPr>
+        <a:xfrm>
+          <a:off x="0" y="0"/>
+          <a:ext cx="0" cy="0"/>
+          <a:chOff x="0" y="0"/>
+          <a:chExt cx="0" cy="0"/>
+        </a:xfrm>
+      </p:grpSpPr>
+      <p:sp>
+        <p:nvSpPr>
+          <p:cNvPr id="2" name="Title 1"/>
+          <p:cNvSpPr>
+            <a:spLocks noGrp="1"/>
+          </p:cNvSpPr>
+          <p:nvPr>
+            <p:ph type="title"/>
+          </p:nvPr>
+        </p:nvSpPr>
+        <p:spPr/>
+        <p:txBody>
+          <a:bodyPr>
+            <a:normAutofit/>
+          </a:bodyPr>
+          <a:lstStyle/>
+          <a:p>
+            <a:r>
+              <a:rPr lang="en-US" sz="2800" dirty="0" smtClean="0"/>
+              <a:t>List of Major Academic Search Engines and Digital Libraries</a:t>
+            </a:r>
+            <a:endParaRPr lang="en-US" sz="2800" dirty="0"/>
+          </a:p>
+        </p:txBody>
+      </p:sp>
+      <p:pic>
+        <p:nvPicPr>
+          <p:cNvPr id="4" name="Content Placeholder 3"/>
+          <p:cNvPicPr>
+            <a:picLocks noGrp="1" noChangeAspect="1"/>
+          </p:cNvPicPr>
+          <p:nvPr>
+            <p:ph idx="1"/>
+          </p:nvPr>
+        </p:nvPicPr>
+        <p:blipFill>
+          <a:blip r:embed="rId2">
+            <a:extLst>
+              <a:ext uri="{28A0092B-C50C-407E-A947-70E740481C1C}">
+                <a14:useLocalDpi xmlns:a14="http://schemas.microsoft.com/office/drawing/2010/main" val="0"/>
+              </a:ext>
+            </a:extLst>
+          </a:blip>
+          <a:stretch>
+            <a:fillRect/>
+          </a:stretch>
+        </p:blipFill>
+        <p:spPr>
+          <a:xfrm>
+            <a:off x="838200" y="1447800"/>
+            <a:ext cx="5307904" cy="5201034"/>
+          </a:xfrm>
+        </p:spPr>
+      </p:pic>
+      <p:sp>
+        <p:nvSpPr>
+          <p:cNvPr id="6" name="Rectangle 5"/>
+          <p:cNvSpPr/>
+          <p:nvPr/>
+        </p:nvSpPr>
+        <p:spPr>
+          <a:xfrm>
+            <a:off x="762000" y="3581400"/>
+            <a:ext cx="5334000" cy="762000"/>
+          </a:xfrm>
+          <a:prstGeom prst="rect">
+            <a:avLst/>
+          </a:prstGeom>
+          <a:noFill/>
+          <a:ln>
+            <a:solidFill>
+              <a:srgbClr val="FF0000"/>
+            </a:solidFill>
+          </a:ln>
+        </p:spPr>
+        <p:style>
+          <a:lnRef idx="2">
+            <a:schemeClr val="accent1">
+              <a:shade val="50000"/>
+            </a:schemeClr>
+          </a:lnRef>
+          <a:fillRef idx="1">
+            <a:schemeClr val="accent1"/>
+          </a:fillRef>
+          <a:effectRef idx="0">
+            <a:schemeClr val="accent1"/>
+          </a:effectRef>
+          <a:fontRef idx="minor">
+            <a:schemeClr val="lt1"/>
+          </a:fontRef>
+        </p:style>
+        <p:txBody>
+          <a:bodyPr rtlCol="0" anchor="ctr"/>
+          <a:lstStyle/>
+          <a:p>
+            <a:pPr algn="ctr"/>
+            <a:endParaRPr lang="en-US"/>
+          </a:p>
+        </p:txBody>
+      </p:sp>
+      <p:sp>
+        <p:nvSpPr>
+          <p:cNvPr id="7" name="Rectangle 6"/>
+          <p:cNvSpPr/>
+          <p:nvPr/>
+        </p:nvSpPr>
+        <p:spPr>
+          <a:xfrm>
+            <a:off x="762000" y="2482646"/>
+            <a:ext cx="5334000" cy="762000"/>
+          </a:xfrm>
+          <a:prstGeom prst="rect">
+            <a:avLst/>
+          </a:prstGeom>
+          <a:noFill/>
+          <a:ln>
+            <a:solidFill>
+              <a:srgbClr val="FF0000"/>
+            </a:solidFill>
+          </a:ln>
+        </p:spPr>
+        <p:style>
+          <a:lnRef idx="2">
+            <a:schemeClr val="accent1">
+              <a:shade val="50000"/>
+            </a:schemeClr>
+          </a:lnRef>
+          <a:fillRef idx="1">
+            <a:schemeClr val="accent1"/>
+          </a:fillRef>
+          <a:effectRef idx="0">
+            <a:schemeClr val="accent1"/>
+          </a:effectRef>
+          <a:fontRef idx="minor">
+            <a:schemeClr val="lt1"/>
+          </a:fontRef>
+        </p:style>
+        <p:txBody>
+          <a:bodyPr rtlCol="0" anchor="ctr"/>
+          <a:lstStyle/>
+          <a:p>
+            <a:pPr algn="ctr"/>
+            <a:endParaRPr lang="en-US"/>
+          </a:p>
+        </p:txBody>
+      </p:sp>
+      <p:sp>
+        <p:nvSpPr>
+          <p:cNvPr id="8" name="TextBox 7"/>
+          <p:cNvSpPr txBox="1"/>
+          <p:nvPr/>
+        </p:nvSpPr>
+        <p:spPr>
+          <a:xfrm>
+            <a:off x="6319308" y="5747190"/>
+            <a:ext cx="2855172" cy="1077218"/>
+          </a:xfrm>
+          <a:prstGeom prst="rect">
+            <a:avLst/>
+          </a:prstGeom>
+          <a:noFill/>
+        </p:spPr>
+        <p:txBody>
+          <a:bodyPr wrap="square" rtlCol="0">
+            <a:spAutoFit/>
+          </a:bodyPr>
+          <a:lstStyle/>
+          <a:p>
+            <a:r>
+              <a:rPr lang="en-US" sz="1600" dirty="0" smtClean="0"/>
+              <a:t>Courtesy: Xia et.al, “Big Scholarly Data: A Survey”, </a:t>
+            </a:r>
+            <a:r>
+              <a:rPr lang="en-US" sz="1600" i="1" dirty="0" smtClean="0"/>
+              <a:t>IEEE Transactions on Big Data</a:t>
+            </a:r>
+            <a:r>
+              <a:rPr lang="en-US" sz="1600" dirty="0" smtClean="0"/>
+              <a:t>, 2017</a:t>
+            </a:r>
+            <a:endParaRPr lang="en-US" sz="1600" dirty="0"/>
+          </a:p>
+        </p:txBody>
+      </p:sp>
+    </p:spTree>
+    <p:extLst>
+      <p:ext uri="{BB962C8B-B14F-4D97-AF65-F5344CB8AC3E}">
+        <p14:creationId xmlns:p14="http://schemas.microsoft.com/office/powerpoint/2010/main" val="276681776"/>
+      </p:ext>
+    </p:extLst>
+  </p:cSld>
+  <p:clrMapOvr>
+    <a:masterClrMapping/>
+  </p:clrMapOvr>
+  <p:timing>
+    <p:tnLst>
+      <p:par>
+        <p:cTn id="1" dur="indefinite" restart="never" nodeType="tmRoot"/>
+      </p:par>
+    </p:tnLst>
+  </p:timing>
+</p:sld>
+</file>
+
+<file path=ppt/slides/slide26.xml><?xml version="1.0" encoding="utf-8"?>
+<p:sld xmlns:a="http://schemas.openxmlformats.org/drawingml/2006/main" xmlns:r="http://schemas.openxmlformats.org/officeDocument/2006/relationships" xmlns:p="http://schemas.openxmlformats.org/presentationml/2006/main">
+  <p:cSld>
+    <p:spTree>
+      <p:nvGrpSpPr>
+        <p:cNvPr id="1" name=""/>
+        <p:cNvGrpSpPr/>
+        <p:nvPr/>
+      </p:nvGrpSpPr>
+      <p:grpSpPr>
+        <a:xfrm>
+          <a:off x="0" y="0"/>
+          <a:ext cx="0" cy="0"/>
+          <a:chOff x="0" y="0"/>
+          <a:chExt cx="0" cy="0"/>
+        </a:xfrm>
+      </p:grpSpPr>
+      <p:sp>
+        <p:nvSpPr>
+          <p:cNvPr id="2" name="Title 1"/>
+          <p:cNvSpPr>
+            <a:spLocks noGrp="1"/>
+          </p:cNvSpPr>
+          <p:nvPr>
+            <p:ph type="title"/>
+          </p:nvPr>
+        </p:nvSpPr>
+        <p:spPr/>
+        <p:txBody>
+          <a:bodyPr/>
+          <a:lstStyle/>
+          <a:p>
+            <a:r>
+              <a:rPr lang="en-US" dirty="0" smtClean="0"/>
+              <a:t>Literature Recommendation</a:t>
+            </a:r>
+            <a:endParaRPr lang="en-US" dirty="0"/>
+          </a:p>
+        </p:txBody>
+      </p:sp>
+      <p:pic>
+        <p:nvPicPr>
+          <p:cNvPr id="4" name="Content Placeholder 3"/>
+          <p:cNvPicPr>
+            <a:picLocks noGrp="1" noChangeAspect="1"/>
+          </p:cNvPicPr>
+          <p:nvPr>
+            <p:ph idx="1"/>
+          </p:nvPr>
+        </p:nvPicPr>
+        <p:blipFill>
+          <a:blip r:embed="rId3">
+            <a:extLst>
+              <a:ext uri="{28A0092B-C50C-407E-A947-70E740481C1C}">
+                <a14:useLocalDpi xmlns:a14="http://schemas.microsoft.com/office/drawing/2010/main" val="0"/>
+              </a:ext>
+            </a:extLst>
+          </a:blip>
+          <a:stretch>
+            <a:fillRect/>
+          </a:stretch>
+        </p:blipFill>
+        <p:spPr>
+          <a:xfrm>
+            <a:off x="533400" y="1905000"/>
+            <a:ext cx="4524060" cy="4191000"/>
+          </a:xfrm>
+        </p:spPr>
+      </p:pic>
+      <p:pic>
+        <p:nvPicPr>
+          <p:cNvPr id="3074" name="Picture 2" descr="F:\Fall2018\MiningScholarlyData\Presentation\LiteratureRecom.PNG"/>
+          <p:cNvPicPr>
+            <a:picLocks noChangeAspect="1" noChangeArrowheads="1"/>
+          </p:cNvPicPr>
+          <p:nvPr/>
+        </p:nvPicPr>
+        <p:blipFill>
+          <a:blip r:embed="rId4">
+            <a:extLst>
+              <a:ext uri="{28A0092B-C50C-407E-A947-70E740481C1C}">
+                <a14:useLocalDpi xmlns:a14="http://schemas.microsoft.com/office/drawing/2010/main" val="0"/>
+              </a:ext>
+            </a:extLst>
+          </a:blip>
+          <a:srcRect/>
+          <a:stretch>
+            <a:fillRect/>
+          </a:stretch>
+        </p:blipFill>
+        <p:spPr bwMode="auto">
+          <a:xfrm>
+            <a:off x="5181600" y="2922638"/>
+            <a:ext cx="3733800" cy="1907359"/>
+          </a:xfrm>
+          <a:prstGeom prst="rect">
+            <a:avLst/>
+          </a:prstGeom>
+          <a:noFill/>
+          <a:extLst>
+            <a:ext uri="{909E8E84-426E-40DD-AFC4-6F175D3DCCD1}">
+              <a14:hiddenFill xmlns:a14="http://schemas.microsoft.com/office/drawing/2010/main">
+                <a:solidFill>
+                  <a:srgbClr val="FFFFFF"/>
+                </a:solidFill>
+              </a14:hiddenFill>
+            </a:ext>
+          </a:extLst>
+        </p:spPr>
+      </p:pic>
+      <p:sp>
+        <p:nvSpPr>
+          <p:cNvPr id="6" name="TextBox 5"/>
+          <p:cNvSpPr txBox="1"/>
+          <p:nvPr/>
+        </p:nvSpPr>
+        <p:spPr>
+          <a:xfrm>
+            <a:off x="685800" y="6432917"/>
+            <a:ext cx="7496503" cy="338554"/>
+          </a:xfrm>
+          <a:prstGeom prst="rect">
+            <a:avLst/>
+          </a:prstGeom>
+          <a:noFill/>
+        </p:spPr>
+        <p:txBody>
+          <a:bodyPr wrap="square" rtlCol="0">
+            <a:spAutoFit/>
+          </a:bodyPr>
+          <a:lstStyle/>
+          <a:p>
+            <a:r>
+              <a:rPr lang="en-US" sz="1600" dirty="0" smtClean="0"/>
+              <a:t>Courtesy: He</a:t>
+            </a:r>
+            <a:r>
+              <a:rPr lang="en-US" sz="1600" dirty="0"/>
+              <a:t>, </a:t>
+            </a:r>
+            <a:r>
+              <a:rPr lang="en-US" sz="1600" dirty="0" smtClean="0"/>
+              <a:t>Q et.al., “Context-aware </a:t>
+            </a:r>
+            <a:r>
+              <a:rPr lang="en-US" sz="1600" dirty="0"/>
+              <a:t>citation </a:t>
+            </a:r>
+            <a:r>
+              <a:rPr lang="en-US" sz="1600" dirty="0" smtClean="0"/>
+              <a:t>recommendation.” WWW </a:t>
+            </a:r>
+            <a:r>
+              <a:rPr lang="en-US" sz="1600" dirty="0"/>
+              <a:t> </a:t>
+            </a:r>
+            <a:r>
+              <a:rPr lang="en-US" sz="1600" dirty="0" smtClean="0"/>
+              <a:t>2010</a:t>
+            </a:r>
+            <a:endParaRPr lang="en-US" sz="1600" dirty="0"/>
+          </a:p>
+        </p:txBody>
+      </p:sp>
+    </p:spTree>
+    <p:extLst>
+      <p:ext uri="{BB962C8B-B14F-4D97-AF65-F5344CB8AC3E}">
+        <p14:creationId xmlns:p14="http://schemas.microsoft.com/office/powerpoint/2010/main" val="3558826210"/>
+      </p:ext>
+    </p:extLst>
+  </p:cSld>
+  <p:clrMapOvr>
+    <a:masterClrMapping/>
+  </p:clrMapOvr>
+  <p:timing>
+    <p:tnLst>
+      <p:par>
+        <p:cTn id="1" dur="indefinite" restart="never" nodeType="tmRoot"/>
+      </p:par>
+    </p:tnLst>
+  </p:timing>
+</p:sld>
+</file>
+
+<file path=ppt/slides/slide27.xml><?xml version="1.0" encoding="utf-8"?>
+<p:sld xmlns:a="http://schemas.openxmlformats.org/drawingml/2006/main" xmlns:r="http://schemas.openxmlformats.org/officeDocument/2006/relationships" xmlns:p="http://schemas.openxmlformats.org/presentationml/2006/main">
+  <p:cSld>
+    <p:spTree>
+      <p:nvGrpSpPr>
+        <p:cNvPr id="1" name=""/>
+        <p:cNvGrpSpPr/>
+        <p:nvPr/>
+      </p:nvGrpSpPr>
+      <p:grpSpPr>
+        <a:xfrm>
+          <a:off x="0" y="0"/>
+          <a:ext cx="0" cy="0"/>
+          <a:chOff x="0" y="0"/>
+          <a:chExt cx="0" cy="0"/>
+        </a:xfrm>
+      </p:grpSpPr>
+      <p:sp>
+        <p:nvSpPr>
+          <p:cNvPr id="2" name="Title 1"/>
+          <p:cNvSpPr>
+            <a:spLocks noGrp="1"/>
+          </p:cNvSpPr>
+          <p:nvPr>
+            <p:ph type="title"/>
+          </p:nvPr>
+        </p:nvSpPr>
+        <p:spPr/>
+        <p:txBody>
+          <a:bodyPr/>
+          <a:lstStyle/>
+          <a:p>
+            <a:r>
+              <a:rPr lang="en-US" dirty="0" smtClean="0"/>
+              <a:t>Collaboration Recommendation</a:t>
+            </a:r>
+            <a:endParaRPr lang="en-US" dirty="0"/>
+          </a:p>
+        </p:txBody>
+      </p:sp>
+      <p:pic>
+        <p:nvPicPr>
+          <p:cNvPr id="4" name="Content Placeholder 3"/>
+          <p:cNvPicPr>
+            <a:picLocks noGrp="1" noChangeAspect="1"/>
+          </p:cNvPicPr>
+          <p:nvPr>
+            <p:ph idx="1"/>
+          </p:nvPr>
+        </p:nvPicPr>
+        <p:blipFill>
+          <a:blip r:embed="rId2">
+            <a:extLst>
+              <a:ext uri="{28A0092B-C50C-407E-A947-70E740481C1C}">
+                <a14:useLocalDpi xmlns:a14="http://schemas.microsoft.com/office/drawing/2010/main" val="0"/>
+              </a:ext>
+            </a:extLst>
+          </a:blip>
+          <a:stretch>
+            <a:fillRect/>
+          </a:stretch>
+        </p:blipFill>
+        <p:spPr>
+          <a:xfrm>
+            <a:off x="1762991" y="1396998"/>
+            <a:ext cx="5511338" cy="5137688"/>
+          </a:xfrm>
+        </p:spPr>
+      </p:pic>
+      <p:sp>
+        <p:nvSpPr>
+          <p:cNvPr id="5" name="TextBox 4"/>
+          <p:cNvSpPr txBox="1"/>
+          <p:nvPr/>
+        </p:nvSpPr>
+        <p:spPr>
+          <a:xfrm>
+            <a:off x="-15240" y="6519446"/>
+            <a:ext cx="9067800" cy="338554"/>
+          </a:xfrm>
+          <a:prstGeom prst="rect">
+            <a:avLst/>
+          </a:prstGeom>
+          <a:noFill/>
+        </p:spPr>
+        <p:txBody>
+          <a:bodyPr wrap="square" rtlCol="0">
+            <a:spAutoFit/>
+          </a:bodyPr>
+          <a:lstStyle/>
+          <a:p>
+            <a:r>
+              <a:rPr lang="en-US" sz="1600" dirty="0" smtClean="0"/>
+              <a:t>Courtesy: Chen, H et.al., “</a:t>
+            </a:r>
+            <a:r>
+              <a:rPr lang="en-US" sz="1600" dirty="0" err="1" smtClean="0"/>
+              <a:t>CollabSeer</a:t>
+            </a:r>
+            <a:r>
+              <a:rPr lang="en-US" sz="1600" dirty="0"/>
+              <a:t>: a search engine for collaboration discovery</a:t>
+            </a:r>
+            <a:r>
+              <a:rPr lang="en-US" sz="1600" dirty="0" smtClean="0"/>
+              <a:t>.”, JCDL 2011</a:t>
+            </a:r>
+            <a:endParaRPr lang="en-US" dirty="0"/>
+          </a:p>
+        </p:txBody>
+      </p:sp>
+    </p:spTree>
+    <p:extLst>
+      <p:ext uri="{BB962C8B-B14F-4D97-AF65-F5344CB8AC3E}">
+        <p14:creationId xmlns:p14="http://schemas.microsoft.com/office/powerpoint/2010/main" val="1106959407"/>
+      </p:ext>
+    </p:extLst>
+  </p:cSld>
+  <p:clrMapOvr>
+    <a:masterClrMapping/>
+  </p:clrMapOvr>
+  <p:timing>
+    <p:tnLst>
+      <p:par>
+        <p:cTn id="1" dur="indefinite" restart="never" nodeType="tmRoot"/>
+      </p:par>
+    </p:tnLst>
+  </p:timing>
 </p:sld>
 </file>
 
@@ -3675,7 +6837,7 @@
           <a:p>
             <a:r>
               <a:rPr lang="en-US" dirty="0" smtClean="0"/>
-              <a:t>Internet Archive(Digital Library)</a:t>
+              <a:t>Why Digital Libraries?</a:t>
             </a:r>
             <a:endParaRPr lang="en-US" dirty="0"/>
           </a:p>
@@ -3683,7 +6845,7 @@
       </p:sp>
       <p:pic>
         <p:nvPicPr>
-          <p:cNvPr id="5" name="Content Placeholder 4"/>
+          <p:cNvPr id="4" name="Content Placeholder 3"/>
           <p:cNvPicPr>
             <a:picLocks noGrp="1" noChangeAspect="1"/>
           </p:cNvPicPr>
@@ -3705,21 +6867,21 @@
         </p:blipFill>
         <p:spPr>
           <a:xfrm>
-            <a:off x="457200" y="2209800"/>
-            <a:ext cx="8229600" cy="2600666"/>
+            <a:off x="304800" y="2133600"/>
+            <a:ext cx="8696248" cy="2748133"/>
           </a:xfrm>
         </p:spPr>
       </p:pic>
       <p:sp>
         <p:nvSpPr>
-          <p:cNvPr id="6" name="TextBox 5"/>
+          <p:cNvPr id="5" name="TextBox 4"/>
           <p:cNvSpPr txBox="1"/>
           <p:nvPr/>
         </p:nvSpPr>
         <p:spPr>
           <a:xfrm>
-            <a:off x="2743200" y="5040868"/>
-            <a:ext cx="2852063" cy="369332"/>
+            <a:off x="3048000" y="5949761"/>
+            <a:ext cx="3007233" cy="338554"/>
           </a:xfrm>
           <a:prstGeom prst="rect">
             <a:avLst/>
@@ -3733,35 +6895,36 @@
           <a:lstStyle/>
           <a:p>
             <a:r>
-              <a:rPr lang="en-US" dirty="0" smtClean="0"/>
-              <a:t>URL: </a:t>
-            </a:r>
-            <a:r>
-              <a:rPr lang="en-US" b="1" dirty="0" smtClean="0">
+              <a:rPr lang="en-US" sz="1600" dirty="0"/>
+              <a:t>Taken from: </a:t>
+            </a:r>
+            <a:r>
+              <a:rPr lang="en-US" sz="1600" dirty="0">
                 <a:hlinkClick r:id="rId3"/>
               </a:rPr>
-              <a:t>https</a:t>
-            </a:r>
-            <a:r>
-              <a:rPr lang="en-US" b="1" dirty="0">
-                <a:hlinkClick r:id="rId3"/>
-              </a:rPr>
-              <a:t>://archive.org/</a:t>
-            </a:r>
-            <a:endParaRPr lang="en-US" b="1" dirty="0"/>
+              <a:t>https://archive.org/</a:t>
+            </a:r>
+            <a:endParaRPr lang="en-US" sz="1600" dirty="0"/>
           </a:p>
         </p:txBody>
       </p:sp>
     </p:spTree>
     <p:extLst>
       <p:ext uri="{BB962C8B-B14F-4D97-AF65-F5344CB8AC3E}">
-        <p14:creationId xmlns:p14="http://schemas.microsoft.com/office/powerpoint/2010/main" val="3232773693"/>
+        <p14:creationId xmlns:p14="http://schemas.microsoft.com/office/powerpoint/2010/main" val="584356115"/>
       </p:ext>
     </p:extLst>
   </p:cSld>
   <p:clrMapOvr>
     <a:masterClrMapping/>
   </p:clrMapOvr>
+  <p:timing>
+    <p:tnLst>
+      <p:par>
+        <p:cTn id="1" dur="indefinite" restart="never" nodeType="tmRoot"/>
+      </p:par>
+    </p:tnLst>
+  </p:timing>
 </p:sld>
 </file>
 
@@ -3977,8 +7140,8 @@
         </p:nvSpPr>
         <p:spPr>
           <a:xfrm>
-            <a:off x="1219200" y="6096000"/>
-            <a:ext cx="7340471" cy="369332"/>
+            <a:off x="1066800" y="6086168"/>
+            <a:ext cx="6692538" cy="338554"/>
           </a:xfrm>
           <a:prstGeom prst="rect">
             <a:avLst/>
@@ -3992,16 +7155,16 @@
           <a:lstStyle/>
           <a:p>
             <a:r>
-              <a:rPr lang="en-US" dirty="0"/>
-              <a:t>URL: </a:t>
-            </a:r>
-            <a:r>
-              <a:rPr lang="en-US" b="1" dirty="0">
+              <a:rPr lang="en-US" sz="1600" dirty="0" smtClean="0"/>
+              <a:t>Taken From: </a:t>
+            </a:r>
+            <a:r>
+              <a:rPr lang="en-US" sz="1600" dirty="0">
                 <a:hlinkClick r:id="rId4"/>
               </a:rPr>
               <a:t>https://en.wikipedia.org/wiki/List_of_digital_library_projects</a:t>
             </a:r>
-            <a:endParaRPr lang="en-US" b="1" dirty="0"/>
+            <a:endParaRPr lang="en-US" sz="1600" dirty="0"/>
           </a:p>
         </p:txBody>
       </p:sp>
@@ -4015,6 +7178,13 @@
   <p:clrMapOvr>
     <a:masterClrMapping/>
   </p:clrMapOvr>
+  <p:timing>
+    <p:tnLst>
+      <p:par>
+        <p:cTn id="1" dur="indefinite" restart="never" nodeType="tmRoot"/>
+      </p:par>
+    </p:tnLst>
+  </p:timing>
 </p:sld>
 </file>
 
@@ -4050,6 +7220,10 @@
           <a:bodyPr/>
           <a:lstStyle/>
           <a:p>
+            <a:r>
+              <a:rPr lang="en-US" dirty="0" smtClean="0"/>
+              <a:t>Types of Digital Libraries</a:t>
+            </a:r>
             <a:endParaRPr lang="en-US" dirty="0"/>
           </a:p>
         </p:txBody>
@@ -4066,23 +7240,115 @@
         </p:nvSpPr>
         <p:spPr/>
         <p:txBody>
-          <a:bodyPr/>
-          <a:lstStyle/>
-          <a:p>
-            <a:endParaRPr lang="en-US"/>
+          <a:bodyPr>
+            <a:normAutofit/>
+          </a:bodyPr>
+          <a:lstStyle/>
+          <a:p>
+            <a:pPr algn="just">
+              <a:buFont typeface="Wingdings" pitchFamily="2" charset="2"/>
+              <a:buChar char="q"/>
+            </a:pPr>
+            <a:r>
+              <a:rPr lang="en-US" dirty="0" smtClean="0"/>
+              <a:t>Institutional Repositories</a:t>
+            </a:r>
+          </a:p>
+          <a:p>
+            <a:pPr algn="just"/>
+            <a:r>
+              <a:rPr lang="en-US" dirty="0"/>
+              <a:t>An </a:t>
+            </a:r>
+            <a:r>
+              <a:rPr lang="en-US" b="1" dirty="0"/>
+              <a:t>institutional repository</a:t>
+            </a:r>
+            <a:r>
+              <a:rPr lang="en-US" dirty="0"/>
+              <a:t> is an archive for collecting, preserving, and disseminating digital copies of the intellectual output of an institution, particularly a research institution</a:t>
+            </a:r>
+            <a:r>
+              <a:rPr lang="en-US" dirty="0" smtClean="0"/>
+              <a:t>.</a:t>
+            </a:r>
+          </a:p>
+          <a:p>
+            <a:pPr algn="just"/>
+            <a:r>
+              <a:rPr lang="en-US" dirty="0" err="1"/>
+              <a:t>DSpace</a:t>
+            </a:r>
+            <a:r>
+              <a:rPr lang="en-US" dirty="0"/>
+              <a:t> and Fedora are two widely used frameworks to </a:t>
+            </a:r>
+            <a:r>
+              <a:rPr lang="en-US" dirty="0" smtClean="0"/>
+              <a:t>build institutional </a:t>
+            </a:r>
+            <a:r>
+              <a:rPr lang="en-US" dirty="0"/>
+              <a:t>repositories</a:t>
+            </a:r>
+          </a:p>
+          <a:p>
+            <a:pPr algn="just"/>
+            <a:endParaRPr lang="en-US" dirty="0" smtClean="0"/>
+          </a:p>
+          <a:p>
+            <a:pPr algn="just">
+              <a:buFont typeface="Wingdings" pitchFamily="2" charset="2"/>
+              <a:buChar char="q"/>
+            </a:pPr>
+            <a:r>
+              <a:rPr lang="en-US" dirty="0" smtClean="0"/>
+              <a:t>Digital Archives</a:t>
+            </a:r>
+          </a:p>
+          <a:p>
+            <a:pPr algn="just"/>
+            <a:r>
+              <a:rPr lang="en-US" dirty="0"/>
+              <a:t>A </a:t>
+            </a:r>
+            <a:r>
+              <a:rPr lang="en-US" b="1" dirty="0"/>
+              <a:t>digital </a:t>
+            </a:r>
+            <a:r>
+              <a:rPr lang="en-US" b="1" dirty="0" smtClean="0"/>
+              <a:t>archive</a:t>
+            </a:r>
+            <a:r>
+              <a:rPr lang="en-US" dirty="0" smtClean="0"/>
+              <a:t> </a:t>
+            </a:r>
+            <a:r>
+              <a:rPr lang="en-US" dirty="0"/>
+              <a:t>is a repository that stores one or more collections of digital information objects with the intention of providing long-term access to the information. </a:t>
+            </a:r>
+            <a:endParaRPr lang="en-US" dirty="0"/>
           </a:p>
         </p:txBody>
       </p:sp>
     </p:spTree>
     <p:extLst>
       <p:ext uri="{BB962C8B-B14F-4D97-AF65-F5344CB8AC3E}">
-        <p14:creationId xmlns:p14="http://schemas.microsoft.com/office/powerpoint/2010/main" val="2087523821"/>
+        <p14:creationId xmlns:p14="http://schemas.microsoft.com/office/powerpoint/2010/main" val="2855845645"/>
       </p:ext>
     </p:extLst>
   </p:cSld>
   <p:clrMapOvr>
     <a:masterClrMapping/>
   </p:clrMapOvr>
+  <p:timing>
+    <p:tnLst>
+      <p:par>
+        <p:cTn id="1" dur="indefinite" restart="never" nodeType="tmRoot"/>
+      </p:par>
+    </p:tnLst>
+  </p:timing>
 </p:sld>
 </file>
 
@@ -4115,46 +7381,727 @@
         </p:nvSpPr>
         <p:spPr/>
         <p:txBody>
-          <a:bodyPr/>
+          <a:bodyPr>
+            <a:normAutofit fontScale="90000"/>
+          </a:bodyPr>
           <a:lstStyle/>
           <a:p>
             <a:r>
               <a:rPr lang="en-US" dirty="0" smtClean="0"/>
-              <a:t>Types of Digital Libraries</a:t>
+              <a:t>ODU Digital Commons (Institutional Repository)</a:t>
             </a:r>
             <a:endParaRPr lang="en-US" dirty="0"/>
           </a:p>
         </p:txBody>
       </p:sp>
-      <p:sp>
-        <p:nvSpPr>
-          <p:cNvPr id="3" name="Content Placeholder 2"/>
-          <p:cNvSpPr>
-            <a:spLocks noGrp="1"/>
-          </p:cNvSpPr>
+      <p:pic>
+        <p:nvPicPr>
+          <p:cNvPr id="4" name="Content Placeholder 3"/>
+          <p:cNvPicPr>
+            <a:picLocks noGrp="1" noChangeAspect="1"/>
+          </p:cNvPicPr>
           <p:nvPr>
             <p:ph idx="1"/>
           </p:nvPr>
-        </p:nvSpPr>
-        <p:spPr/>
-        <p:txBody>
-          <a:bodyPr/>
-          <a:lstStyle/>
-          <a:p>
-            <a:endParaRPr lang="en-US" dirty="0"/>
+        </p:nvPicPr>
+        <p:blipFill>
+          <a:blip r:embed="rId2">
+            <a:extLst>
+              <a:ext uri="{28A0092B-C50C-407E-A947-70E740481C1C}">
+                <a14:useLocalDpi xmlns:a14="http://schemas.microsoft.com/office/drawing/2010/main" val="0"/>
+              </a:ext>
+            </a:extLst>
+          </a:blip>
+          <a:stretch>
+            <a:fillRect/>
+          </a:stretch>
+        </p:blipFill>
+        <p:spPr>
+          <a:xfrm>
+            <a:off x="457200" y="1600200"/>
+            <a:ext cx="8229600" cy="4689446"/>
+          </a:xfrm>
+        </p:spPr>
+      </p:pic>
+      <p:sp>
+        <p:nvSpPr>
+          <p:cNvPr id="7" name="TextBox 6"/>
+          <p:cNvSpPr txBox="1"/>
+          <p:nvPr/>
+        </p:nvSpPr>
+        <p:spPr>
+          <a:xfrm>
+            <a:off x="1905000" y="6437360"/>
+            <a:ext cx="4214295" cy="338554"/>
+          </a:xfrm>
+          <a:prstGeom prst="rect">
+            <a:avLst/>
+          </a:prstGeom>
+          <a:noFill/>
+        </p:spPr>
+        <p:txBody>
+          <a:bodyPr wrap="none" rtlCol="0">
+            <a:spAutoFit/>
+          </a:bodyPr>
+          <a:lstStyle/>
+          <a:p>
+            <a:r>
+              <a:rPr lang="en-US" sz="1600" dirty="0"/>
+              <a:t>Taken from: </a:t>
+            </a:r>
+            <a:r>
+              <a:rPr lang="en-US" sz="1600" dirty="0">
+                <a:hlinkClick r:id="rId3"/>
+              </a:rPr>
+              <a:t>https://digitalcommons.odu.edu/</a:t>
+            </a:r>
+            <a:endParaRPr lang="en-US" sz="1600" dirty="0"/>
           </a:p>
         </p:txBody>
       </p:sp>
     </p:spTree>
     <p:extLst>
       <p:ext uri="{BB962C8B-B14F-4D97-AF65-F5344CB8AC3E}">
-        <p14:creationId xmlns:p14="http://schemas.microsoft.com/office/powerpoint/2010/main" val="2855845645"/>
+        <p14:creationId xmlns:p14="http://schemas.microsoft.com/office/powerpoint/2010/main" val="3232773693"/>
       </p:ext>
     </p:extLst>
   </p:cSld>
   <p:clrMapOvr>
     <a:masterClrMapping/>
   </p:clrMapOvr>
+  <p:timing>
+    <p:tnLst>
+      <p:par>
+        <p:cTn id="1" dur="indefinite" restart="never" nodeType="tmRoot"/>
+      </p:par>
+    </p:tnLst>
+  </p:timing>
+</p:sld>
+</file>
+
+<file path=ppt/slides/slide7.xml><?xml version="1.0" encoding="utf-8"?>
+<p:sld xmlns:a="http://schemas.openxmlformats.org/drawingml/2006/main" xmlns:r="http://schemas.openxmlformats.org/officeDocument/2006/relationships" xmlns:p="http://schemas.openxmlformats.org/presentationml/2006/main">
+  <p:cSld>
+    <p:spTree>
+      <p:nvGrpSpPr>
+        <p:cNvPr id="1" name=""/>
+        <p:cNvGrpSpPr/>
+        <p:nvPr/>
+      </p:nvGrpSpPr>
+      <p:grpSpPr>
+        <a:xfrm>
+          <a:off x="0" y="0"/>
+          <a:ext cx="0" cy="0"/>
+          <a:chOff x="0" y="0"/>
+          <a:chExt cx="0" cy="0"/>
+        </a:xfrm>
+      </p:grpSpPr>
+      <p:sp>
+        <p:nvSpPr>
+          <p:cNvPr id="2" name="Title 1"/>
+          <p:cNvSpPr>
+            <a:spLocks noGrp="1"/>
+          </p:cNvSpPr>
+          <p:nvPr>
+            <p:ph type="title"/>
+          </p:nvPr>
+        </p:nvSpPr>
+        <p:spPr/>
+        <p:txBody>
+          <a:bodyPr/>
+          <a:lstStyle/>
+          <a:p>
+            <a:r>
+              <a:rPr lang="en-US" dirty="0" err="1" smtClean="0"/>
+              <a:t>HathiTrust</a:t>
+            </a:r>
+            <a:r>
+              <a:rPr lang="en-US" dirty="0" smtClean="0"/>
+              <a:t> (Digital Archive)</a:t>
+            </a:r>
+            <a:endParaRPr lang="en-US" dirty="0"/>
+          </a:p>
+        </p:txBody>
+      </p:sp>
+      <p:sp>
+        <p:nvSpPr>
+          <p:cNvPr id="5" name="TextBox 4"/>
+          <p:cNvSpPr txBox="1"/>
+          <p:nvPr/>
+        </p:nvSpPr>
+        <p:spPr>
+          <a:xfrm>
+            <a:off x="2590800" y="6280666"/>
+            <a:ext cx="3680366" cy="338554"/>
+          </a:xfrm>
+          <a:prstGeom prst="rect">
+            <a:avLst/>
+          </a:prstGeom>
+          <a:noFill/>
+        </p:spPr>
+        <p:txBody>
+          <a:bodyPr wrap="none" rtlCol="0">
+            <a:spAutoFit/>
+          </a:bodyPr>
+          <a:lstStyle/>
+          <a:p>
+            <a:r>
+              <a:rPr lang="en-US" sz="1600" dirty="0" smtClean="0"/>
+              <a:t>Taken from: </a:t>
+            </a:r>
+            <a:r>
+              <a:rPr lang="en-US" sz="1600" dirty="0" smtClean="0">
+                <a:hlinkClick r:id="rId2"/>
+              </a:rPr>
+              <a:t>https</a:t>
+            </a:r>
+            <a:r>
+              <a:rPr lang="en-US" sz="1600" dirty="0">
+                <a:hlinkClick r:id="rId2"/>
+              </a:rPr>
+              <a:t>://www.hathitrust.org/</a:t>
+            </a:r>
+            <a:endParaRPr lang="en-US" sz="1600" dirty="0"/>
+          </a:p>
+        </p:txBody>
+      </p:sp>
+      <p:pic>
+        <p:nvPicPr>
+          <p:cNvPr id="7" name="Content Placeholder 6"/>
+          <p:cNvPicPr>
+            <a:picLocks noGrp="1" noChangeAspect="1"/>
+          </p:cNvPicPr>
+          <p:nvPr>
+            <p:ph idx="1"/>
+          </p:nvPr>
+        </p:nvPicPr>
+        <p:blipFill>
+          <a:blip r:embed="rId3">
+            <a:extLst>
+              <a:ext uri="{28A0092B-C50C-407E-A947-70E740481C1C}">
+                <a14:useLocalDpi xmlns:a14="http://schemas.microsoft.com/office/drawing/2010/main" val="0"/>
+              </a:ext>
+            </a:extLst>
+          </a:blip>
+          <a:stretch>
+            <a:fillRect/>
+          </a:stretch>
+        </p:blipFill>
+        <p:spPr>
+          <a:xfrm>
+            <a:off x="609600" y="1403866"/>
+            <a:ext cx="7849865" cy="4876800"/>
+          </a:xfrm>
+        </p:spPr>
+      </p:pic>
+    </p:spTree>
+    <p:extLst>
+      <p:ext uri="{BB962C8B-B14F-4D97-AF65-F5344CB8AC3E}">
+        <p14:creationId xmlns:p14="http://schemas.microsoft.com/office/powerpoint/2010/main" val="1682495310"/>
+      </p:ext>
+    </p:extLst>
+  </p:cSld>
+  <p:clrMapOvr>
+    <a:masterClrMapping/>
+  </p:clrMapOvr>
+  <p:timing>
+    <p:tnLst>
+      <p:par>
+        <p:cTn id="1" dur="indefinite" restart="never" nodeType="tmRoot"/>
+      </p:par>
+    </p:tnLst>
+  </p:timing>
+</p:sld>
+</file>
+
+<file path=ppt/slides/slide8.xml><?xml version="1.0" encoding="utf-8"?>
+<p:sld xmlns:a="http://schemas.openxmlformats.org/drawingml/2006/main" xmlns:r="http://schemas.openxmlformats.org/officeDocument/2006/relationships" xmlns:p="http://schemas.openxmlformats.org/presentationml/2006/main">
+  <p:cSld>
+    <p:spTree>
+      <p:nvGrpSpPr>
+        <p:cNvPr id="1" name=""/>
+        <p:cNvGrpSpPr/>
+        <p:nvPr/>
+      </p:nvGrpSpPr>
+      <p:grpSpPr>
+        <a:xfrm>
+          <a:off x="0" y="0"/>
+          <a:ext cx="0" cy="0"/>
+          <a:chOff x="0" y="0"/>
+          <a:chExt cx="0" cy="0"/>
+        </a:xfrm>
+      </p:grpSpPr>
+      <p:sp>
+        <p:nvSpPr>
+          <p:cNvPr id="2" name="Title 1"/>
+          <p:cNvSpPr>
+            <a:spLocks noGrp="1"/>
+          </p:cNvSpPr>
+          <p:nvPr>
+            <p:ph type="title"/>
+          </p:nvPr>
+        </p:nvSpPr>
+        <p:spPr/>
+        <p:txBody>
+          <a:bodyPr/>
+          <a:lstStyle/>
+          <a:p>
+            <a:r>
+              <a:rPr lang="en-US" dirty="0" smtClean="0"/>
+              <a:t>Scholarly Data Collection</a:t>
+            </a:r>
+            <a:endParaRPr lang="en-US" dirty="0"/>
+          </a:p>
+        </p:txBody>
+      </p:sp>
+      <p:pic>
+        <p:nvPicPr>
+          <p:cNvPr id="4" name="Content Placeholder 3"/>
+          <p:cNvPicPr>
+            <a:picLocks noGrp="1" noChangeAspect="1"/>
+          </p:cNvPicPr>
+          <p:nvPr>
+            <p:ph idx="1"/>
+          </p:nvPr>
+        </p:nvPicPr>
+        <p:blipFill>
+          <a:blip r:embed="rId3">
+            <a:extLst>
+              <a:ext uri="{28A0092B-C50C-407E-A947-70E740481C1C}">
+                <a14:useLocalDpi xmlns:a14="http://schemas.microsoft.com/office/drawing/2010/main" val="0"/>
+              </a:ext>
+            </a:extLst>
+          </a:blip>
+          <a:stretch>
+            <a:fillRect/>
+          </a:stretch>
+        </p:blipFill>
+        <p:spPr>
+          <a:xfrm>
+            <a:off x="457200" y="1656113"/>
+            <a:ext cx="8229600" cy="4764974"/>
+          </a:xfrm>
+        </p:spPr>
+      </p:pic>
+      <p:sp>
+        <p:nvSpPr>
+          <p:cNvPr id="5" name="TextBox 4"/>
+          <p:cNvSpPr txBox="1"/>
+          <p:nvPr/>
+        </p:nvSpPr>
+        <p:spPr>
+          <a:xfrm>
+            <a:off x="762000" y="6454841"/>
+            <a:ext cx="8224944" cy="338554"/>
+          </a:xfrm>
+          <a:prstGeom prst="rect">
+            <a:avLst/>
+          </a:prstGeom>
+          <a:noFill/>
+        </p:spPr>
+        <p:txBody>
+          <a:bodyPr wrap="none" rtlCol="0">
+            <a:spAutoFit/>
+          </a:bodyPr>
+          <a:lstStyle/>
+          <a:p>
+            <a:r>
+              <a:rPr lang="en-US" sz="1600" dirty="0" smtClean="0"/>
+              <a:t>Courtesy: Xia et.al, “Big Scholarly Data: A Survey”, </a:t>
+            </a:r>
+            <a:r>
+              <a:rPr lang="en-US" sz="1600" i="1" dirty="0" smtClean="0"/>
+              <a:t>IEEE Transactions on Big Data</a:t>
+            </a:r>
+            <a:r>
+              <a:rPr lang="en-US" sz="1600" dirty="0" smtClean="0"/>
+              <a:t>, 2017</a:t>
+            </a:r>
+            <a:endParaRPr lang="en-US" sz="1600" dirty="0"/>
+          </a:p>
+        </p:txBody>
+      </p:sp>
+    </p:spTree>
+    <p:extLst>
+      <p:ext uri="{BB962C8B-B14F-4D97-AF65-F5344CB8AC3E}">
+        <p14:creationId xmlns:p14="http://schemas.microsoft.com/office/powerpoint/2010/main" val="1616062382"/>
+      </p:ext>
+    </p:extLst>
+  </p:cSld>
+  <p:clrMapOvr>
+    <a:masterClrMapping/>
+  </p:clrMapOvr>
+  <p:timing>
+    <p:tnLst>
+      <p:par>
+        <p:cTn id="1" dur="indefinite" restart="never" nodeType="tmRoot"/>
+      </p:par>
+    </p:tnLst>
+  </p:timing>
+</p:sld>
+</file>
+
+<file path=ppt/slides/slide9.xml><?xml version="1.0" encoding="utf-8"?>
+<p:sld xmlns:a="http://schemas.openxmlformats.org/drawingml/2006/main" xmlns:r="http://schemas.openxmlformats.org/officeDocument/2006/relationships" xmlns:p="http://schemas.openxmlformats.org/presentationml/2006/main">
+  <p:cSld>
+    <p:spTree>
+      <p:nvGrpSpPr>
+        <p:cNvPr id="1" name=""/>
+        <p:cNvGrpSpPr/>
+        <p:nvPr/>
+      </p:nvGrpSpPr>
+      <p:grpSpPr>
+        <a:xfrm>
+          <a:off x="0" y="0"/>
+          <a:ext cx="0" cy="0"/>
+          <a:chOff x="0" y="0"/>
+          <a:chExt cx="0" cy="0"/>
+        </a:xfrm>
+      </p:grpSpPr>
+      <p:sp>
+        <p:nvSpPr>
+          <p:cNvPr id="2" name="Title 1"/>
+          <p:cNvSpPr>
+            <a:spLocks noGrp="1"/>
+          </p:cNvSpPr>
+          <p:nvPr>
+            <p:ph type="title"/>
+          </p:nvPr>
+        </p:nvSpPr>
+        <p:spPr/>
+        <p:txBody>
+          <a:bodyPr>
+            <a:normAutofit fontScale="90000"/>
+          </a:bodyPr>
+          <a:lstStyle/>
+          <a:p>
+            <a:r>
+              <a:rPr lang="en-US" dirty="0" smtClean="0"/>
+              <a:t>Web Crawling and Document Extraction</a:t>
+            </a:r>
+            <a:endParaRPr lang="en-US" dirty="0"/>
+          </a:p>
+        </p:txBody>
+      </p:sp>
+      <p:sp>
+        <p:nvSpPr>
+          <p:cNvPr id="5" name="TextBox 4"/>
+          <p:cNvSpPr txBox="1"/>
+          <p:nvPr/>
+        </p:nvSpPr>
+        <p:spPr>
+          <a:xfrm>
+            <a:off x="3229457" y="1720334"/>
+            <a:ext cx="1770678" cy="369332"/>
+          </a:xfrm>
+          <a:prstGeom prst="rect">
+            <a:avLst/>
+          </a:prstGeom>
+          <a:noFill/>
+        </p:spPr>
+        <p:txBody>
+          <a:bodyPr wrap="none" rtlCol="0">
+            <a:spAutoFit/>
+          </a:bodyPr>
+          <a:lstStyle/>
+          <a:p>
+            <a:r>
+              <a:rPr lang="en-US" b="1" dirty="0" smtClean="0"/>
+              <a:t>Crawl the Web</a:t>
+            </a:r>
+            <a:endParaRPr lang="en-US" b="1" dirty="0"/>
+          </a:p>
+        </p:txBody>
+      </p:sp>
+      <p:sp>
+        <p:nvSpPr>
+          <p:cNvPr id="6" name="TextBox 5"/>
+          <p:cNvSpPr txBox="1"/>
+          <p:nvPr/>
+        </p:nvSpPr>
+        <p:spPr>
+          <a:xfrm>
+            <a:off x="2669533" y="2516436"/>
+            <a:ext cx="2890535" cy="369332"/>
+          </a:xfrm>
+          <a:prstGeom prst="rect">
+            <a:avLst/>
+          </a:prstGeom>
+          <a:noFill/>
+        </p:spPr>
+        <p:txBody>
+          <a:bodyPr wrap="none" rtlCol="0">
+            <a:spAutoFit/>
+          </a:bodyPr>
+          <a:lstStyle/>
+          <a:p>
+            <a:r>
+              <a:rPr lang="en-US" b="1" dirty="0" smtClean="0"/>
+              <a:t>Extract links to PDF files</a:t>
+            </a:r>
+            <a:endParaRPr lang="en-US" b="1" dirty="0"/>
+          </a:p>
+        </p:txBody>
+      </p:sp>
+      <p:sp>
+        <p:nvSpPr>
+          <p:cNvPr id="7" name="TextBox 6"/>
+          <p:cNvSpPr txBox="1"/>
+          <p:nvPr/>
+        </p:nvSpPr>
+        <p:spPr>
+          <a:xfrm>
+            <a:off x="2246336" y="3320534"/>
+            <a:ext cx="3736920" cy="369332"/>
+          </a:xfrm>
+          <a:prstGeom prst="rect">
+            <a:avLst/>
+          </a:prstGeom>
+          <a:noFill/>
+        </p:spPr>
+        <p:txBody>
+          <a:bodyPr wrap="none" rtlCol="0">
+            <a:spAutoFit/>
+          </a:bodyPr>
+          <a:lstStyle/>
+          <a:p>
+            <a:r>
+              <a:rPr lang="en-US" b="1" dirty="0" smtClean="0"/>
+              <a:t>Form a queue of extracted URLs</a:t>
+            </a:r>
+            <a:endParaRPr lang="en-US" b="1" dirty="0"/>
+          </a:p>
+        </p:txBody>
+      </p:sp>
+      <p:sp>
+        <p:nvSpPr>
+          <p:cNvPr id="8" name="TextBox 7"/>
+          <p:cNvSpPr txBox="1"/>
+          <p:nvPr/>
+        </p:nvSpPr>
+        <p:spPr>
+          <a:xfrm>
+            <a:off x="2913185" y="4191000"/>
+            <a:ext cx="2403222" cy="369332"/>
+          </a:xfrm>
+          <a:prstGeom prst="rect">
+            <a:avLst/>
+          </a:prstGeom>
+          <a:noFill/>
+        </p:spPr>
+        <p:txBody>
+          <a:bodyPr wrap="none" rtlCol="0">
+            <a:spAutoFit/>
+          </a:bodyPr>
+          <a:lstStyle/>
+          <a:p>
+            <a:r>
+              <a:rPr lang="en-US" b="1" dirty="0" smtClean="0"/>
+              <a:t>Schedule crawl time</a:t>
+            </a:r>
+            <a:endParaRPr lang="en-US" b="1" dirty="0"/>
+          </a:p>
+        </p:txBody>
+      </p:sp>
+      <p:sp>
+        <p:nvSpPr>
+          <p:cNvPr id="9" name="TextBox 8"/>
+          <p:cNvSpPr txBox="1"/>
+          <p:nvPr/>
+        </p:nvSpPr>
+        <p:spPr>
+          <a:xfrm>
+            <a:off x="1547427" y="5073445"/>
+            <a:ext cx="5134739" cy="369332"/>
+          </a:xfrm>
+          <a:prstGeom prst="rect">
+            <a:avLst/>
+          </a:prstGeom>
+          <a:noFill/>
+        </p:spPr>
+        <p:txBody>
+          <a:bodyPr wrap="none" rtlCol="0">
+            <a:spAutoFit/>
+          </a:bodyPr>
+          <a:lstStyle/>
+          <a:p>
+            <a:r>
+              <a:rPr lang="en-US" b="1" dirty="0" smtClean="0"/>
+              <a:t>Update queue to include any new documents</a:t>
+            </a:r>
+            <a:endParaRPr lang="en-US" b="1" dirty="0"/>
+          </a:p>
+        </p:txBody>
+      </p:sp>
+      <p:cxnSp>
+        <p:nvCxnSpPr>
+          <p:cNvPr id="11" name="Straight Arrow Connector 10"/>
+          <p:cNvCxnSpPr/>
+          <p:nvPr/>
+        </p:nvCxnSpPr>
+        <p:spPr>
+          <a:xfrm>
+            <a:off x="4114797" y="2089666"/>
+            <a:ext cx="3" cy="426770"/>
+          </a:xfrm>
+          <a:prstGeom prst="straightConnector1">
+            <a:avLst/>
+          </a:prstGeom>
+          <a:ln w="28575">
+            <a:solidFill>
+              <a:schemeClr val="bg2">
+                <a:lumMod val="10000"/>
+              </a:schemeClr>
+            </a:solidFill>
+            <a:tailEnd type="arrow"/>
+          </a:ln>
+        </p:spPr>
+        <p:style>
+          <a:lnRef idx="1">
+            <a:schemeClr val="accent1"/>
+          </a:lnRef>
+          <a:fillRef idx="0">
+            <a:schemeClr val="accent1"/>
+          </a:fillRef>
+          <a:effectRef idx="0">
+            <a:schemeClr val="accent1"/>
+          </a:effectRef>
+          <a:fontRef idx="minor">
+            <a:schemeClr val="tx1"/>
+          </a:fontRef>
+        </p:style>
+      </p:cxnSp>
+      <p:cxnSp>
+        <p:nvCxnSpPr>
+          <p:cNvPr id="12" name="Straight Arrow Connector 11"/>
+          <p:cNvCxnSpPr/>
+          <p:nvPr/>
+        </p:nvCxnSpPr>
+        <p:spPr>
+          <a:xfrm flipH="1">
+            <a:off x="4114800" y="2907735"/>
+            <a:ext cx="1" cy="426770"/>
+          </a:xfrm>
+          <a:prstGeom prst="straightConnector1">
+            <a:avLst/>
+          </a:prstGeom>
+          <a:ln w="28575">
+            <a:solidFill>
+              <a:schemeClr val="bg2">
+                <a:lumMod val="10000"/>
+              </a:schemeClr>
+            </a:solidFill>
+            <a:tailEnd type="arrow"/>
+          </a:ln>
+        </p:spPr>
+        <p:style>
+          <a:lnRef idx="1">
+            <a:schemeClr val="accent1"/>
+          </a:lnRef>
+          <a:fillRef idx="0">
+            <a:schemeClr val="accent1"/>
+          </a:fillRef>
+          <a:effectRef idx="0">
+            <a:schemeClr val="accent1"/>
+          </a:effectRef>
+          <a:fontRef idx="minor">
+            <a:schemeClr val="tx1"/>
+          </a:fontRef>
+        </p:style>
+      </p:cxnSp>
+      <p:cxnSp>
+        <p:nvCxnSpPr>
+          <p:cNvPr id="13" name="Straight Arrow Connector 12"/>
+          <p:cNvCxnSpPr/>
+          <p:nvPr/>
+        </p:nvCxnSpPr>
+        <p:spPr>
+          <a:xfrm flipH="1">
+            <a:off x="4114798" y="3773440"/>
+            <a:ext cx="1" cy="426770"/>
+          </a:xfrm>
+          <a:prstGeom prst="straightConnector1">
+            <a:avLst/>
+          </a:prstGeom>
+          <a:ln w="28575">
+            <a:solidFill>
+              <a:schemeClr val="bg2">
+                <a:lumMod val="10000"/>
+              </a:schemeClr>
+            </a:solidFill>
+            <a:tailEnd type="arrow"/>
+          </a:ln>
+        </p:spPr>
+        <p:style>
+          <a:lnRef idx="1">
+            <a:schemeClr val="accent1"/>
+          </a:lnRef>
+          <a:fillRef idx="0">
+            <a:schemeClr val="accent1"/>
+          </a:fillRef>
+          <a:effectRef idx="0">
+            <a:schemeClr val="accent1"/>
+          </a:effectRef>
+          <a:fontRef idx="minor">
+            <a:schemeClr val="tx1"/>
+          </a:fontRef>
+        </p:style>
+      </p:cxnSp>
+      <p:cxnSp>
+        <p:nvCxnSpPr>
+          <p:cNvPr id="14" name="Straight Arrow Connector 13"/>
+          <p:cNvCxnSpPr/>
+          <p:nvPr/>
+        </p:nvCxnSpPr>
+        <p:spPr>
+          <a:xfrm flipH="1">
+            <a:off x="4114797" y="4611640"/>
+            <a:ext cx="1" cy="426770"/>
+          </a:xfrm>
+          <a:prstGeom prst="straightConnector1">
+            <a:avLst/>
+          </a:prstGeom>
+          <a:ln w="28575">
+            <a:solidFill>
+              <a:schemeClr val="bg2">
+                <a:lumMod val="10000"/>
+              </a:schemeClr>
+            </a:solidFill>
+            <a:tailEnd type="arrow"/>
+          </a:ln>
+        </p:spPr>
+        <p:style>
+          <a:lnRef idx="1">
+            <a:schemeClr val="accent1"/>
+          </a:lnRef>
+          <a:fillRef idx="0">
+            <a:schemeClr val="accent1"/>
+          </a:fillRef>
+          <a:effectRef idx="0">
+            <a:schemeClr val="accent1"/>
+          </a:effectRef>
+          <a:fontRef idx="minor">
+            <a:schemeClr val="tx1"/>
+          </a:fontRef>
+        </p:style>
+      </p:cxnSp>
+    </p:spTree>
+    <p:extLst>
+      <p:ext uri="{BB962C8B-B14F-4D97-AF65-F5344CB8AC3E}">
+        <p14:creationId xmlns:p14="http://schemas.microsoft.com/office/powerpoint/2010/main" val="2646220728"/>
+      </p:ext>
+    </p:extLst>
+  </p:cSld>
+  <p:clrMapOvr>
+    <a:masterClrMapping/>
+  </p:clrMapOvr>
+  <p:timing>
+    <p:tnLst>
+      <p:par>
+        <p:cTn id="1" dur="indefinite" restart="never" nodeType="tmRoot"/>
+      </p:par>
+    </p:tnLst>
+  </p:timing>
 </p:sld>
 </file>
 
@@ -4444,4 +8391,289 @@
   <a:objectDefaults/>
   <a:extraClrSchemeLst/>
 </a:theme>
+</file>
+
+<file path=ppt/theme/theme2.xml><?xml version="1.0" encoding="utf-8"?>
+<a:theme xmlns:a="http://schemas.openxmlformats.org/drawingml/2006/main" name="Office Theme">
+  <a:themeElements>
+    <a:clrScheme name="Office">
+      <a:dk1>
+        <a:sysClr val="windowText" lastClr="000000"/>
+      </a:dk1>
+      <a:lt1>
+        <a:sysClr val="window" lastClr="FFFFFF"/>
+      </a:lt1>
+      <a:dk2>
+        <a:srgbClr val="1F497D"/>
+      </a:dk2>
+      <a:lt2>
+        <a:srgbClr val="EEECE1"/>
+      </a:lt2>
+      <a:accent1>
+        <a:srgbClr val="4F81BD"/>
+      </a:accent1>
+      <a:accent2>
+        <a:srgbClr val="C0504D"/>
+      </a:accent2>
+      <a:accent3>
+        <a:srgbClr val="9BBB59"/>
+      </a:accent3>
+      <a:accent4>
+        <a:srgbClr val="8064A2"/>
+      </a:accent4>
+      <a:accent5>
+        <a:srgbClr val="4BACC6"/>
+      </a:accent5>
+      <a:accent6>
+        <a:srgbClr val="F79646"/>
+      </a:accent6>
+      <a:hlink>
+        <a:srgbClr val="0000FF"/>
+      </a:hlink>
+      <a:folHlink>
+        <a:srgbClr val="800080"/>
+      </a:folHlink>
+    </a:clrScheme>
+    <a:fontScheme name="Office">
+      <a:majorFont>
+        <a:latin typeface="Calibri"/>
+        <a:ea typeface=""/>
+        <a:cs typeface=""/>
+        <a:font script="Jpan" typeface="ＭＳ Ｐゴシック"/>
+        <a:font script="Hang" typeface="맑은 고딕"/>
+        <a:font script="Hans" typeface="宋体"/>
+        <a:font script="Hant" typeface="新細明體"/>
+        <a:font script="Arab" typeface="Times New Roman"/>
+        <a:font script="Hebr" typeface="Times New Roman"/>
+        <a:font script="Thai" typeface="Angsana New"/>
+        <a:font script="Ethi" typeface="Nyala"/>
+        <a:font script="Beng" typeface="Vrinda"/>
+        <a:font script="Gujr" typeface="Shruti"/>
+        <a:font script="Khmr" typeface="MoolBoran"/>
+        <a:font script="Knda" typeface="Tunga"/>
+        <a:font script="Guru" typeface="Raavi"/>
+        <a:font script="Cans" typeface="Euphemia"/>
+        <a:font script="Cher" typeface="Plantagenet Cherokee"/>
+        <a:font script="Yiii" typeface="Microsoft Yi Baiti"/>
+        <a:font script="Tibt" typeface="Microsoft Himalaya"/>
+        <a:font script="Thaa" typeface="MV Boli"/>
+        <a:font script="Deva" typeface="Mangal"/>
+        <a:font script="Telu" typeface="Gautami"/>
+        <a:font script="Taml" typeface="Latha"/>
+        <a:font script="Syrc" typeface="Estrangelo Edessa"/>
+        <a:font script="Orya" typeface="Kalinga"/>
+        <a:font script="Mlym" typeface="Kartika"/>
+        <a:font script="Laoo" typeface="DokChampa"/>
+        <a:font script="Sinh" typeface="Iskoola Pota"/>
+        <a:font script="Mong" typeface="Mongolian Baiti"/>
+        <a:font script="Viet" typeface="Times New Roman"/>
+        <a:font script="Uigh" typeface="Microsoft Uighur"/>
+        <a:font script="Geor" typeface="Sylfaen"/>
+      </a:majorFont>
+      <a:minorFont>
+        <a:latin typeface="Calibri"/>
+        <a:ea typeface=""/>
+        <a:cs typeface=""/>
+        <a:font script="Jpan" typeface="ＭＳ Ｐゴシック"/>
+        <a:font script="Hang" typeface="맑은 고딕"/>
+        <a:font script="Hans" typeface="宋体"/>
+        <a:font script="Hant" typeface="新細明體"/>
+        <a:font script="Arab" typeface="Arial"/>
+        <a:font script="Hebr" typeface="Arial"/>
+        <a:font script="Thai" typeface="Cordia New"/>
+        <a:font script="Ethi" typeface="Nyala"/>
+        <a:font script="Beng" typeface="Vrinda"/>
+        <a:font script="Gujr" typeface="Shruti"/>
+        <a:font script="Khmr" typeface="DaunPenh"/>
+        <a:font script="Knda" typeface="Tunga"/>
+        <a:font script="Guru" typeface="Raavi"/>
+        <a:font script="Cans" typeface="Euphemia"/>
+        <a:font script="Cher" typeface="Plantagenet Cherokee"/>
+        <a:font script="Yiii" typeface="Microsoft Yi Baiti"/>
+        <a:font script="Tibt" typeface="Microsoft Himalaya"/>
+        <a:font script="Thaa" typeface="MV Boli"/>
+        <a:font script="Deva" typeface="Mangal"/>
+        <a:font script="Telu" typeface="Gautami"/>
+        <a:font script="Taml" typeface="Latha"/>
+        <a:font script="Syrc" typeface="Estrangelo Edessa"/>
+        <a:font script="Orya" typeface="Kalinga"/>
+        <a:font script="Mlym" typeface="Kartika"/>
+        <a:font script="Laoo" typeface="DokChampa"/>
+        <a:font script="Sinh" typeface="Iskoola Pota"/>
+        <a:font script="Mong" typeface="Mongolian Baiti"/>
+        <a:font script="Viet" typeface="Arial"/>
+        <a:font script="Uigh" typeface="Microsoft Uighur"/>
+        <a:font script="Geor" typeface="Sylfaen"/>
+      </a:minorFont>
+    </a:fontScheme>
+    <a:fmtScheme name="Office">
+      <a:fillStyleLst>
+        <a:solidFill>
+          <a:schemeClr val="phClr"/>
+        </a:solidFill>
+        <a:gradFill rotWithShape="1">
+          <a:gsLst>
+            <a:gs pos="0">
+              <a:schemeClr val="phClr">
+                <a:tint val="50000"/>
+                <a:satMod val="300000"/>
+              </a:schemeClr>
+            </a:gs>
+            <a:gs pos="35000">
+              <a:schemeClr val="phClr">
+                <a:tint val="37000"/>
+                <a:satMod val="300000"/>
+              </a:schemeClr>
+            </a:gs>
+            <a:gs pos="100000">
+              <a:schemeClr val="phClr">
+                <a:tint val="15000"/>
+                <a:satMod val="350000"/>
+              </a:schemeClr>
+            </a:gs>
+          </a:gsLst>
+          <a:lin ang="16200000" scaled="1"/>
+        </a:gradFill>
+        <a:gradFill rotWithShape="1">
+          <a:gsLst>
+            <a:gs pos="0">
+              <a:schemeClr val="phClr">
+                <a:shade val="51000"/>
+                <a:satMod val="130000"/>
+              </a:schemeClr>
+            </a:gs>
+            <a:gs pos="80000">
+              <a:schemeClr val="phClr">
+                <a:shade val="93000"/>
+                <a:satMod val="130000"/>
+              </a:schemeClr>
+            </a:gs>
+            <a:gs pos="100000">
+              <a:schemeClr val="phClr">
+                <a:shade val="94000"/>
+                <a:satMod val="135000"/>
+              </a:schemeClr>
+            </a:gs>
+          </a:gsLst>
+          <a:lin ang="16200000" scaled="0"/>
+        </a:gradFill>
+      </a:fillStyleLst>
+      <a:lnStyleLst>
+        <a:ln w="9525" cap="flat" cmpd="sng" algn="ctr">
+          <a:solidFill>
+            <a:schemeClr val="phClr">
+              <a:shade val="95000"/>
+              <a:satMod val="105000"/>
+            </a:schemeClr>
+          </a:solidFill>
+          <a:prstDash val="solid"/>
+        </a:ln>
+        <a:ln w="25400" cap="flat" cmpd="sng" algn="ctr">
+          <a:solidFill>
+            <a:schemeClr val="phClr"/>
+          </a:solidFill>
+          <a:prstDash val="solid"/>
+        </a:ln>
+        <a:ln w="38100" cap="flat" cmpd="sng" algn="ctr">
+          <a:solidFill>
+            <a:schemeClr val="phClr"/>
+          </a:solidFill>
+          <a:prstDash val="solid"/>
+        </a:ln>
+      </a:lnStyleLst>
+      <a:effectStyleLst>
+        <a:effectStyle>
+          <a:effectLst>
+            <a:outerShdw blurRad="40000" dist="20000" dir="5400000" rotWithShape="0">
+              <a:srgbClr val="000000">
+                <a:alpha val="38000"/>
+              </a:srgbClr>
+            </a:outerShdw>
+          </a:effectLst>
+        </a:effectStyle>
+        <a:effectStyle>
+          <a:effectLst>
+            <a:outerShdw blurRad="40000" dist="23000" dir="5400000" rotWithShape="0">
+              <a:srgbClr val="000000">
+                <a:alpha val="35000"/>
+              </a:srgbClr>
+            </a:outerShdw>
+          </a:effectLst>
+        </a:effectStyle>
+        <a:effectStyle>
+          <a:effectLst>
+            <a:outerShdw blurRad="40000" dist="23000" dir="5400000" rotWithShape="0">
+              <a:srgbClr val="000000">
+                <a:alpha val="35000"/>
+              </a:srgbClr>
+            </a:outerShdw>
+          </a:effectLst>
+          <a:scene3d>
+            <a:camera prst="orthographicFront">
+              <a:rot lat="0" lon="0" rev="0"/>
+            </a:camera>
+            <a:lightRig rig="threePt" dir="t">
+              <a:rot lat="0" lon="0" rev="1200000"/>
+            </a:lightRig>
+          </a:scene3d>
+          <a:sp3d>
+            <a:bevelT w="63500" h="25400"/>
+          </a:sp3d>
+        </a:effectStyle>
+      </a:effectStyleLst>
+      <a:bgFillStyleLst>
+        <a:solidFill>
+          <a:schemeClr val="phClr"/>
+        </a:solidFill>
+        <a:gradFill rotWithShape="1">
+          <a:gsLst>
+            <a:gs pos="0">
+              <a:schemeClr val="phClr">
+                <a:tint val="40000"/>
+                <a:satMod val="350000"/>
+              </a:schemeClr>
+            </a:gs>
+            <a:gs pos="40000">
+              <a:schemeClr val="phClr">
+                <a:tint val="45000"/>
+                <a:shade val="99000"/>
+                <a:satMod val="350000"/>
+              </a:schemeClr>
+            </a:gs>
+            <a:gs pos="100000">
+              <a:schemeClr val="phClr">
+                <a:shade val="20000"/>
+                <a:satMod val="255000"/>
+              </a:schemeClr>
+            </a:gs>
+          </a:gsLst>
+          <a:path path="circle">
+            <a:fillToRect l="50000" t="-80000" r="50000" b="180000"/>
+          </a:path>
+        </a:gradFill>
+        <a:gradFill rotWithShape="1">
+          <a:gsLst>
+            <a:gs pos="0">
+              <a:schemeClr val="phClr">
+                <a:tint val="80000"/>
+                <a:satMod val="300000"/>
+              </a:schemeClr>
+            </a:gs>
+            <a:gs pos="100000">
+              <a:schemeClr val="phClr">
+                <a:shade val="30000"/>
+                <a:satMod val="200000"/>
+              </a:schemeClr>
+            </a:gs>
+          </a:gsLst>
+          <a:path path="circle">
+            <a:fillToRect l="50000" t="50000" r="50000" b="50000"/>
+          </a:path>
+        </a:gradFill>
+      </a:bgFillStyleLst>
+    </a:fmtScheme>
+  </a:themeElements>
+  <a:objectDefaults/>
+  <a:extraClrSchemeLst/>
+</a:theme>
 </file>